--- a/Explore Products Presentation.pptx
+++ b/Explore Products Presentation.pptx
@@ -119,7 +119,7 @@
   </p:defaultTextStyle>
   <p:extLst>
     <p:ext uri="{EFAFB233-063F-42B5-8137-9DF3F51BA10A}">
-      <p15:sldGuideLst xmlns:p15="http://schemas.microsoft.com/office/powerpoint/2012/main">
+      <p15:sldGuideLst xmlns:p15="http://schemas.microsoft.com/office/powerpoint/2012/main" xmlns="">
         <p15:guide id="1" orient="horz" pos="2160">
           <p15:clr>
             <a:srgbClr val="A4A3A4"/>
@@ -133,7 +133,7 @@
       </p15:sldGuideLst>
     </p:ext>
     <p:ext uri="{2D200454-40CA-4A62-9FC3-DE9A4176ACB9}">
-      <p15:notesGuideLst xmlns:p15="http://schemas.microsoft.com/office/powerpoint/2012/main">
+      <p15:notesGuideLst xmlns:p15="http://schemas.microsoft.com/office/powerpoint/2012/main" xmlns="">
         <p15:guide id="1" orient="horz" pos="2880">
           <p15:clr>
             <a:srgbClr val="A4A3A4"/>
@@ -156,7 +156,7 @@
   <p:cmAuthor id="2" name="indian Bittu" initials="iB" lastIdx="1" clrIdx="1">
     <p:extLst>
       <p:ext uri="{19B8F6BF-5375-455C-9EA6-DF929625EA0E}">
-        <p15:presenceInfo xmlns:p15="http://schemas.microsoft.com/office/powerpoint/2012/main" userId="57b8a307f69856de" providerId="Windows Live"/>
+        <p15:presenceInfo xmlns:p15="http://schemas.microsoft.com/office/powerpoint/2012/main" xmlns="" userId="57b8a307f69856de" providerId="Windows Live"/>
       </p:ext>
     </p:extLst>
   </p:cmAuthor>
@@ -1685,6 +1685,13 @@
         </dgm:presLayoutVars>
       </dgm:prSet>
       <dgm:spPr/>
+      <dgm:t>
+        <a:bodyPr/>
+        <a:lstStyle/>
+        <a:p>
+          <a:endParaRPr lang="en-US"/>
+        </a:p>
+      </dgm:t>
     </dgm:pt>
     <dgm:pt modelId="{902F4FAF-1A20-453D-87C0-FDA742073242}" type="pres">
       <dgm:prSet presAssocID="{90119837-5B71-4D44-BB01-DB0B084933C8}" presName="comp1" presStyleCnt="0"/>
@@ -1693,6 +1700,13 @@
     <dgm:pt modelId="{2B5F07C5-83E1-4FED-B457-1EAA11234399}" type="pres">
       <dgm:prSet presAssocID="{90119837-5B71-4D44-BB01-DB0B084933C8}" presName="circle1" presStyleLbl="node1" presStyleIdx="0" presStyleCnt="3" custLinFactNeighborY="229"/>
       <dgm:spPr/>
+      <dgm:t>
+        <a:bodyPr/>
+        <a:lstStyle/>
+        <a:p>
+          <a:endParaRPr lang="en-US"/>
+        </a:p>
+      </dgm:t>
     </dgm:pt>
     <dgm:pt modelId="{B79ABCFC-ABBA-480F-A14B-511CE6915CE9}" type="pres">
       <dgm:prSet presAssocID="{90119837-5B71-4D44-BB01-DB0B084933C8}" presName="c1text" presStyleLbl="node1" presStyleIdx="0" presStyleCnt="3">
@@ -1701,6 +1715,13 @@
         </dgm:presLayoutVars>
       </dgm:prSet>
       <dgm:spPr/>
+      <dgm:t>
+        <a:bodyPr/>
+        <a:lstStyle/>
+        <a:p>
+          <a:endParaRPr lang="en-US"/>
+        </a:p>
+      </dgm:t>
     </dgm:pt>
     <dgm:pt modelId="{C5AD67B5-44B3-4BF6-A33D-376B8C6B5E97}" type="pres">
       <dgm:prSet presAssocID="{90119837-5B71-4D44-BB01-DB0B084933C8}" presName="comp2" presStyleCnt="0"/>
@@ -1709,6 +1730,13 @@
     <dgm:pt modelId="{3CDE98E1-018D-4C62-B099-017581EFFED9}" type="pres">
       <dgm:prSet presAssocID="{90119837-5B71-4D44-BB01-DB0B084933C8}" presName="circle2" presStyleLbl="node1" presStyleIdx="1" presStyleCnt="3"/>
       <dgm:spPr/>
+      <dgm:t>
+        <a:bodyPr/>
+        <a:lstStyle/>
+        <a:p>
+          <a:endParaRPr lang="en-US"/>
+        </a:p>
+      </dgm:t>
     </dgm:pt>
     <dgm:pt modelId="{208A1D36-AE2A-436A-B39A-86C33780AB35}" type="pres">
       <dgm:prSet presAssocID="{90119837-5B71-4D44-BB01-DB0B084933C8}" presName="c2text" presStyleLbl="node1" presStyleIdx="1" presStyleCnt="3">
@@ -1717,6 +1745,13 @@
         </dgm:presLayoutVars>
       </dgm:prSet>
       <dgm:spPr/>
+      <dgm:t>
+        <a:bodyPr/>
+        <a:lstStyle/>
+        <a:p>
+          <a:endParaRPr lang="en-US"/>
+        </a:p>
+      </dgm:t>
     </dgm:pt>
     <dgm:pt modelId="{F30193C9-4419-4525-9C97-F06DBC11A5FA}" type="pres">
       <dgm:prSet presAssocID="{90119837-5B71-4D44-BB01-DB0B084933C8}" presName="comp3" presStyleCnt="0"/>
@@ -1725,6 +1760,13 @@
     <dgm:pt modelId="{3530D81E-9A4A-4A2D-ABDD-0BB1FAC006AA}" type="pres">
       <dgm:prSet presAssocID="{90119837-5B71-4D44-BB01-DB0B084933C8}" presName="circle3" presStyleLbl="node1" presStyleIdx="2" presStyleCnt="3"/>
       <dgm:spPr/>
+      <dgm:t>
+        <a:bodyPr/>
+        <a:lstStyle/>
+        <a:p>
+          <a:endParaRPr lang="en-US"/>
+        </a:p>
+      </dgm:t>
     </dgm:pt>
     <dgm:pt modelId="{ED98B8ED-FC98-4AEC-988E-0B29F14B64CB}" type="pres">
       <dgm:prSet presAssocID="{90119837-5B71-4D44-BB01-DB0B084933C8}" presName="c3text" presStyleLbl="node1" presStyleIdx="2" presStyleCnt="3">
@@ -1733,19 +1775,26 @@
         </dgm:presLayoutVars>
       </dgm:prSet>
       <dgm:spPr/>
+      <dgm:t>
+        <a:bodyPr/>
+        <a:lstStyle/>
+        <a:p>
+          <a:endParaRPr lang="en-US"/>
+        </a:p>
+      </dgm:t>
     </dgm:pt>
   </dgm:ptLst>
   <dgm:cxnLst>
+    <dgm:cxn modelId="{2C8EA282-30C9-49AC-87F1-FC574F9ED87D}" type="presOf" srcId="{CC6B7442-0B72-4EF2-9F13-1325B51AFF9F}" destId="{ED98B8ED-FC98-4AEC-988E-0B29F14B64CB}" srcOrd="1" destOrd="0" presId="urn:microsoft.com/office/officeart/2005/8/layout/venn2"/>
+    <dgm:cxn modelId="{234CEFFD-A484-41E6-901E-9C54E22F3DFA}" type="presOf" srcId="{3C67E77D-62FA-499D-B5E6-E79A091C5267}" destId="{3CDE98E1-018D-4C62-B099-017581EFFED9}" srcOrd="0" destOrd="0" presId="urn:microsoft.com/office/officeart/2005/8/layout/venn2"/>
+    <dgm:cxn modelId="{32AA6160-4426-4C4D-93AE-E2F474E37AD9}" srcId="{90119837-5B71-4D44-BB01-DB0B084933C8}" destId="{3C67E77D-62FA-499D-B5E6-E79A091C5267}" srcOrd="1" destOrd="0" parTransId="{5337D229-E330-4525-B0FA-14EC5A80604A}" sibTransId="{C056AC5D-B04E-4376-A1CB-3EAB7BE5AF5B}"/>
+    <dgm:cxn modelId="{EC171A3E-FE3D-4076-8775-E00FE7A25256}" type="presOf" srcId="{CC6B7442-0B72-4EF2-9F13-1325B51AFF9F}" destId="{3530D81E-9A4A-4A2D-ABDD-0BB1FAC006AA}" srcOrd="0" destOrd="0" presId="urn:microsoft.com/office/officeart/2005/8/layout/venn2"/>
+    <dgm:cxn modelId="{E0D2AED7-F6F7-41E4-BA69-3E81C753742B}" type="presOf" srcId="{477D14C5-CED9-4CFC-B338-DFB0C8090B9F}" destId="{B79ABCFC-ABBA-480F-A14B-511CE6915CE9}" srcOrd="1" destOrd="0" presId="urn:microsoft.com/office/officeart/2005/8/layout/venn2"/>
     <dgm:cxn modelId="{7D461F02-AB37-447A-AC6B-D31C4D2EC6A9}" srcId="{90119837-5B71-4D44-BB01-DB0B084933C8}" destId="{477D14C5-CED9-4CFC-B338-DFB0C8090B9F}" srcOrd="0" destOrd="0" parTransId="{92DFCBC7-BC14-4697-8ECD-BF0D5B1EDA3B}" sibTransId="{87E3C0DB-7BEE-424E-8E11-B838D238D595}"/>
-    <dgm:cxn modelId="{EC171A3E-FE3D-4076-8775-E00FE7A25256}" type="presOf" srcId="{CC6B7442-0B72-4EF2-9F13-1325B51AFF9F}" destId="{3530D81E-9A4A-4A2D-ABDD-0BB1FAC006AA}" srcOrd="0" destOrd="0" presId="urn:microsoft.com/office/officeart/2005/8/layout/venn2"/>
-    <dgm:cxn modelId="{32AA6160-4426-4C4D-93AE-E2F474E37AD9}" srcId="{90119837-5B71-4D44-BB01-DB0B084933C8}" destId="{3C67E77D-62FA-499D-B5E6-E79A091C5267}" srcOrd="1" destOrd="0" parTransId="{5337D229-E330-4525-B0FA-14EC5A80604A}" sibTransId="{C056AC5D-B04E-4376-A1CB-3EAB7BE5AF5B}"/>
+    <dgm:cxn modelId="{A922B183-6992-4033-981E-1E819FC73EAB}" type="presOf" srcId="{90119837-5B71-4D44-BB01-DB0B084933C8}" destId="{0282D1DB-CFF4-40AD-B605-8A3A7B74A47D}" srcOrd="0" destOrd="0" presId="urn:microsoft.com/office/officeart/2005/8/layout/venn2"/>
     <dgm:cxn modelId="{F1D65966-6F4A-4515-9AAC-04613D61DADC}" type="presOf" srcId="{3C67E77D-62FA-499D-B5E6-E79A091C5267}" destId="{208A1D36-AE2A-436A-B39A-86C33780AB35}" srcOrd="1" destOrd="0" presId="urn:microsoft.com/office/officeart/2005/8/layout/venn2"/>
+    <dgm:cxn modelId="{159133B2-F95D-405F-977E-FE290E104078}" type="presOf" srcId="{477D14C5-CED9-4CFC-B338-DFB0C8090B9F}" destId="{2B5F07C5-83E1-4FED-B457-1EAA11234399}" srcOrd="0" destOrd="0" presId="urn:microsoft.com/office/officeart/2005/8/layout/venn2"/>
     <dgm:cxn modelId="{102D6D4D-90C9-40F4-A001-35DCC329B127}" srcId="{90119837-5B71-4D44-BB01-DB0B084933C8}" destId="{CC6B7442-0B72-4EF2-9F13-1325B51AFF9F}" srcOrd="2" destOrd="0" parTransId="{E3D139E0-5DC2-4F8E-9F8F-B3F0EBCD4689}" sibTransId="{FF80E1BA-0D6F-4EE8-9640-892A5897DBCD}"/>
-    <dgm:cxn modelId="{2C8EA282-30C9-49AC-87F1-FC574F9ED87D}" type="presOf" srcId="{CC6B7442-0B72-4EF2-9F13-1325B51AFF9F}" destId="{ED98B8ED-FC98-4AEC-988E-0B29F14B64CB}" srcOrd="1" destOrd="0" presId="urn:microsoft.com/office/officeart/2005/8/layout/venn2"/>
-    <dgm:cxn modelId="{A922B183-6992-4033-981E-1E819FC73EAB}" type="presOf" srcId="{90119837-5B71-4D44-BB01-DB0B084933C8}" destId="{0282D1DB-CFF4-40AD-B605-8A3A7B74A47D}" srcOrd="0" destOrd="0" presId="urn:microsoft.com/office/officeart/2005/8/layout/venn2"/>
-    <dgm:cxn modelId="{159133B2-F95D-405F-977E-FE290E104078}" type="presOf" srcId="{477D14C5-CED9-4CFC-B338-DFB0C8090B9F}" destId="{2B5F07C5-83E1-4FED-B457-1EAA11234399}" srcOrd="0" destOrd="0" presId="urn:microsoft.com/office/officeart/2005/8/layout/venn2"/>
-    <dgm:cxn modelId="{E0D2AED7-F6F7-41E4-BA69-3E81C753742B}" type="presOf" srcId="{477D14C5-CED9-4CFC-B338-DFB0C8090B9F}" destId="{B79ABCFC-ABBA-480F-A14B-511CE6915CE9}" srcOrd="1" destOrd="0" presId="urn:microsoft.com/office/officeart/2005/8/layout/venn2"/>
-    <dgm:cxn modelId="{234CEFFD-A484-41E6-901E-9C54E22F3DFA}" type="presOf" srcId="{3C67E77D-62FA-499D-B5E6-E79A091C5267}" destId="{3CDE98E1-018D-4C62-B099-017581EFFED9}" srcOrd="0" destOrd="0" presId="urn:microsoft.com/office/officeart/2005/8/layout/venn2"/>
     <dgm:cxn modelId="{DBF9D525-26E3-4CB5-8EF1-1C4CC306C3BA}" type="presParOf" srcId="{0282D1DB-CFF4-40AD-B605-8A3A7B74A47D}" destId="{902F4FAF-1A20-453D-87C0-FDA742073242}" srcOrd="0" destOrd="0" presId="urn:microsoft.com/office/officeart/2005/8/layout/venn2"/>
     <dgm:cxn modelId="{15414AEA-9C67-4C9E-A120-98EAD72B2B0C}" type="presParOf" srcId="{902F4FAF-1A20-453D-87C0-FDA742073242}" destId="{2B5F07C5-83E1-4FED-B457-1EAA11234399}" srcOrd="0" destOrd="0" presId="urn:microsoft.com/office/officeart/2005/8/layout/venn2"/>
     <dgm:cxn modelId="{55F20FA3-0FD4-4409-86D9-521F5387F857}" type="presParOf" srcId="{902F4FAF-1A20-453D-87C0-FDA742073242}" destId="{B79ABCFC-ABBA-480F-A14B-511CE6915CE9}" srcOrd="1" destOrd="0" presId="urn:microsoft.com/office/officeart/2005/8/layout/venn2"/>
@@ -1760,7 +1809,7 @@
   <dgm:whole/>
   <dgm:extLst>
     <a:ext uri="http://schemas.microsoft.com/office/drawing/2008/diagram">
-      <dsp:dataModelExt xmlns:dsp="http://schemas.microsoft.com/office/drawing/2008/diagram" relId="rId6" minVer="http://schemas.openxmlformats.org/drawingml/2006/diagram"/>
+      <dsp:dataModelExt xmlns:dsp="http://schemas.microsoft.com/office/drawing/2008/diagram" xmlns="" relId="rId6" minVer="http://schemas.openxmlformats.org/drawingml/2006/diagram"/>
     </a:ext>
   </dgm:extLst>
 </dgm:dataModel>
@@ -3821,9 +3870,9 @@
             <a:fld id="{1C482589-CB2F-4003-801D-095B67490E73}" type="datetimeFigureOut">
               <a:rPr lang="en-US"/>
               <a:pPr/>
-              <a:t>7/23/2023</a:t>
+              <a:t>3/27/2025</a:t>
             </a:fld>
-            <a:endParaRPr lang="en-US"/>
+            <a:endParaRPr lang="en-US" dirty="0"/>
           </a:p>
         </p:txBody>
       </p:sp>
@@ -3897,7 +3946,7 @@
     </p:spTree>
     <p:extLst>
       <p:ext uri="{BB962C8B-B14F-4D97-AF65-F5344CB8AC3E}">
-        <p14:creationId xmlns:p14="http://schemas.microsoft.com/office/powerpoint/2010/main" val="1"/>
+        <p14:creationId xmlns:p14="http://schemas.microsoft.com/office/powerpoint/2010/main" xmlns="" val="1"/>
       </p:ext>
     </p:extLst>
   </p:cSld>
@@ -3988,9 +4037,9 @@
             <a:fld id="{2A7D4DBF-746C-4C25-853D-8A1CBE8404F4}" type="datetimeFigureOut">
               <a:rPr lang="en-US"/>
               <a:pPr/>
-              <a:t>7/23/2023</a:t>
+              <a:t>3/27/2025</a:t>
             </a:fld>
-            <a:endParaRPr lang="en-US"/>
+            <a:endParaRPr lang="en-US" dirty="0"/>
           </a:p>
         </p:txBody>
       </p:sp>
@@ -4276,7 +4325,7 @@
             <a:alphaModFix amt="30000"/>
             <a:extLst>
               <a:ext uri="{28A0092B-C50C-407E-A947-70E740481C1C}">
-                <a14:useLocalDpi xmlns:a14="http://schemas.microsoft.com/office/drawing/2010/main" val="0"/>
+                <a14:useLocalDpi xmlns:a14="http://schemas.microsoft.com/office/drawing/2010/main" xmlns="" val="0"/>
               </a:ext>
             </a:extLst>
           </a:blip>
@@ -4296,7 +4345,7 @@
           <a:noFill/>
           <a:extLst>
             <a:ext uri="{909E8E84-426E-40dd-AFC4-6F175D3DCCD1}">
-              <a14:hiddenFill xmlns="" xmlns:a14="http://schemas.microsoft.com/office/drawing/2010/main">
+              <a14:hiddenFill xmlns:a14="http://schemas.microsoft.com/office/drawing/2010/main" xmlns="">
                 <a:solidFill>
                   <a:srgbClr val="FFFFFF"/>
                 </a:solidFill>
@@ -4356,7 +4405,7 @@
             </a:ln>
             <a:extLst>
               <a:ext uri="{91240B29-F687-4f45-9708-019B960494DF}">
-                <a14:hiddenLine xmlns="" xmlns:a14="http://schemas.microsoft.com/office/drawing/2010/main" w="9525">
+                <a14:hiddenLine xmlns:a14="http://schemas.microsoft.com/office/drawing/2010/main" xmlns="" w="9525">
                   <a:solidFill>
                     <a:srgbClr val="000000"/>
                   </a:solidFill>
@@ -4446,7 +4495,7 @@
             </a:ln>
             <a:extLst>
               <a:ext uri="{91240B29-F687-4f45-9708-019B960494DF}">
-                <a14:hiddenLine xmlns="" xmlns:a14="http://schemas.microsoft.com/office/drawing/2010/main" w="9525">
+                <a14:hiddenLine xmlns:a14="http://schemas.microsoft.com/office/drawing/2010/main" xmlns="" w="9525">
                   <a:solidFill>
                     <a:srgbClr val="000000"/>
                   </a:solidFill>
@@ -4536,7 +4585,7 @@
             </a:ln>
             <a:extLst>
               <a:ext uri="{91240B29-F687-4f45-9708-019B960494DF}">
-                <a14:hiddenLine xmlns="" xmlns:a14="http://schemas.microsoft.com/office/drawing/2010/main" w="9525">
+                <a14:hiddenLine xmlns:a14="http://schemas.microsoft.com/office/drawing/2010/main" xmlns="" w="9525">
                   <a:solidFill>
                     <a:srgbClr val="000000"/>
                   </a:solidFill>
@@ -4570,7 +4619,7 @@
             </a:ln>
             <a:extLst>
               <a:ext uri="{91240B29-F687-4f45-9708-019B960494DF}">
-                <a14:hiddenLine xmlns="" xmlns:a14="http://schemas.microsoft.com/office/drawing/2010/main" w="9525">
+                <a14:hiddenLine xmlns:a14="http://schemas.microsoft.com/office/drawing/2010/main" xmlns="" w="9525">
                   <a:solidFill>
                     <a:srgbClr val="000000"/>
                   </a:solidFill>
@@ -4660,7 +4709,7 @@
             </a:ln>
             <a:extLst>
               <a:ext uri="{91240B29-F687-4f45-9708-019B960494DF}">
-                <a14:hiddenLine xmlns="" xmlns:a14="http://schemas.microsoft.com/office/drawing/2010/main" w="9525">
+                <a14:hiddenLine xmlns:a14="http://schemas.microsoft.com/office/drawing/2010/main" xmlns="" w="9525">
                   <a:solidFill>
                     <a:srgbClr val="000000"/>
                   </a:solidFill>
@@ -4722,7 +4771,7 @@
             </a:ln>
             <a:extLst>
               <a:ext uri="{91240B29-F687-4f45-9708-019B960494DF}">
-                <a14:hiddenLine xmlns="" xmlns:a14="http://schemas.microsoft.com/office/drawing/2010/main" w="9525">
+                <a14:hiddenLine xmlns:a14="http://schemas.microsoft.com/office/drawing/2010/main" xmlns="" w="9525">
                   <a:solidFill>
                     <a:srgbClr val="000000"/>
                   </a:solidFill>
@@ -4784,7 +4833,7 @@
             </a:ln>
             <a:extLst>
               <a:ext uri="{91240B29-F687-4f45-9708-019B960494DF}">
-                <a14:hiddenLine xmlns="" xmlns:a14="http://schemas.microsoft.com/office/drawing/2010/main" w="9525">
+                <a14:hiddenLine xmlns:a14="http://schemas.microsoft.com/office/drawing/2010/main" xmlns="" w="9525">
                   <a:solidFill>
                     <a:srgbClr val="000000"/>
                   </a:solidFill>
@@ -4874,7 +4923,7 @@
             </a:ln>
             <a:extLst>
               <a:ext uri="{91240B29-F687-4f45-9708-019B960494DF}">
-                <a14:hiddenLine xmlns="" xmlns:a14="http://schemas.microsoft.com/office/drawing/2010/main" w="9525">
+                <a14:hiddenLine xmlns:a14="http://schemas.microsoft.com/office/drawing/2010/main" xmlns="" w="9525">
                   <a:solidFill>
                     <a:srgbClr val="000000"/>
                   </a:solidFill>
@@ -4936,7 +4985,7 @@
             </a:ln>
             <a:extLst>
               <a:ext uri="{91240B29-F687-4f45-9708-019B960494DF}">
-                <a14:hiddenLine xmlns="" xmlns:a14="http://schemas.microsoft.com/office/drawing/2010/main" w="9525">
+                <a14:hiddenLine xmlns:a14="http://schemas.microsoft.com/office/drawing/2010/main" xmlns="" w="9525">
                   <a:solidFill>
                     <a:srgbClr val="000000"/>
                   </a:solidFill>
@@ -4998,7 +5047,7 @@
             </a:ln>
             <a:extLst>
               <a:ext uri="{91240B29-F687-4f45-9708-019B960494DF}">
-                <a14:hiddenLine xmlns="" xmlns:a14="http://schemas.microsoft.com/office/drawing/2010/main" w="9525">
+                <a14:hiddenLine xmlns:a14="http://schemas.microsoft.com/office/drawing/2010/main" xmlns="" w="9525">
                   <a:solidFill>
                     <a:srgbClr val="000000"/>
                   </a:solidFill>
@@ -5088,7 +5137,7 @@
             </a:ln>
             <a:extLst>
               <a:ext uri="{91240B29-F687-4f45-9708-019B960494DF}">
-                <a14:hiddenLine xmlns="" xmlns:a14="http://schemas.microsoft.com/office/drawing/2010/main" w="9525">
+                <a14:hiddenLine xmlns:a14="http://schemas.microsoft.com/office/drawing/2010/main" xmlns="" w="9525">
                   <a:solidFill>
                     <a:srgbClr val="000000"/>
                   </a:solidFill>
@@ -5178,7 +5227,7 @@
             </a:ln>
             <a:extLst>
               <a:ext uri="{91240B29-F687-4f45-9708-019B960494DF}">
-                <a14:hiddenLine xmlns="" xmlns:a14="http://schemas.microsoft.com/office/drawing/2010/main" w="9525">
+                <a14:hiddenLine xmlns:a14="http://schemas.microsoft.com/office/drawing/2010/main" xmlns="" w="9525">
                   <a:solidFill>
                     <a:srgbClr val="000000"/>
                   </a:solidFill>
@@ -5240,7 +5289,7 @@
             </a:ln>
             <a:extLst>
               <a:ext uri="{91240B29-F687-4f45-9708-019B960494DF}">
-                <a14:hiddenLine xmlns="" xmlns:a14="http://schemas.microsoft.com/office/drawing/2010/main" w="9525">
+                <a14:hiddenLine xmlns:a14="http://schemas.microsoft.com/office/drawing/2010/main" xmlns="" w="9525">
                   <a:solidFill>
                     <a:srgbClr val="000000"/>
                   </a:solidFill>
@@ -5350,7 +5399,7 @@
             </a:ln>
             <a:extLst>
               <a:ext uri="{91240B29-F687-4f45-9708-019B960494DF}">
-                <a14:hiddenLine xmlns="" xmlns:a14="http://schemas.microsoft.com/office/drawing/2010/main" w="9525">
+                <a14:hiddenLine xmlns:a14="http://schemas.microsoft.com/office/drawing/2010/main" xmlns="" w="9525">
                   <a:solidFill>
                     <a:srgbClr val="000000"/>
                   </a:solidFill>
@@ -5412,7 +5461,7 @@
             </a:ln>
             <a:extLst>
               <a:ext uri="{91240B29-F687-4f45-9708-019B960494DF}">
-                <a14:hiddenLine xmlns="" xmlns:a14="http://schemas.microsoft.com/office/drawing/2010/main" w="9525">
+                <a14:hiddenLine xmlns:a14="http://schemas.microsoft.com/office/drawing/2010/main" xmlns="" w="9525">
                   <a:solidFill>
                     <a:srgbClr val="000000"/>
                   </a:solidFill>
@@ -5502,7 +5551,7 @@
             </a:ln>
             <a:extLst>
               <a:ext uri="{91240B29-F687-4f45-9708-019B960494DF}">
-                <a14:hiddenLine xmlns="" xmlns:a14="http://schemas.microsoft.com/office/drawing/2010/main" w="9525">
+                <a14:hiddenLine xmlns:a14="http://schemas.microsoft.com/office/drawing/2010/main" xmlns="" w="9525">
                   <a:solidFill>
                     <a:srgbClr val="000000"/>
                   </a:solidFill>
@@ -5592,7 +5641,7 @@
             </a:ln>
             <a:extLst>
               <a:ext uri="{91240B29-F687-4f45-9708-019B960494DF}">
-                <a14:hiddenLine xmlns="" xmlns:a14="http://schemas.microsoft.com/office/drawing/2010/main" w="9525">
+                <a14:hiddenLine xmlns:a14="http://schemas.microsoft.com/office/drawing/2010/main" xmlns="" w="9525">
                   <a:solidFill>
                     <a:srgbClr val="000000"/>
                   </a:solidFill>
@@ -5654,7 +5703,7 @@
             </a:ln>
             <a:extLst>
               <a:ext uri="{91240B29-F687-4f45-9708-019B960494DF}">
-                <a14:hiddenLine xmlns="" xmlns:a14="http://schemas.microsoft.com/office/drawing/2010/main" w="9525">
+                <a14:hiddenLine xmlns:a14="http://schemas.microsoft.com/office/drawing/2010/main" xmlns="" w="9525">
                   <a:solidFill>
                     <a:srgbClr val="000000"/>
                   </a:solidFill>
@@ -5744,7 +5793,7 @@
             </a:ln>
             <a:extLst>
               <a:ext uri="{91240B29-F687-4f45-9708-019B960494DF}">
-                <a14:hiddenLine xmlns="" xmlns:a14="http://schemas.microsoft.com/office/drawing/2010/main" w="9525">
+                <a14:hiddenLine xmlns:a14="http://schemas.microsoft.com/office/drawing/2010/main" xmlns="" w="9525">
                   <a:solidFill>
                     <a:srgbClr val="000000"/>
                   </a:solidFill>
@@ -5834,7 +5883,7 @@
             </a:ln>
             <a:extLst>
               <a:ext uri="{91240B29-F687-4f45-9708-019B960494DF}">
-                <a14:hiddenLine xmlns="" xmlns:a14="http://schemas.microsoft.com/office/drawing/2010/main" w="9525">
+                <a14:hiddenLine xmlns:a14="http://schemas.microsoft.com/office/drawing/2010/main" xmlns="" w="9525">
                   <a:solidFill>
                     <a:srgbClr val="000000"/>
                   </a:solidFill>
@@ -5890,7 +5939,7 @@
             </a:ln>
             <a:extLst>
               <a:ext uri="{91240B29-F687-4f45-9708-019B960494DF}">
-                <a14:hiddenLine xmlns="" xmlns:a14="http://schemas.microsoft.com/office/drawing/2010/main" w="9525">
+                <a14:hiddenLine xmlns:a14="http://schemas.microsoft.com/office/drawing/2010/main" xmlns="" w="9525">
                   <a:solidFill>
                     <a:srgbClr val="000000"/>
                   </a:solidFill>
@@ -5980,7 +6029,7 @@
             </a:ln>
             <a:extLst>
               <a:ext uri="{91240B29-F687-4f45-9708-019B960494DF}">
-                <a14:hiddenLine xmlns="" xmlns:a14="http://schemas.microsoft.com/office/drawing/2010/main" w="9525">
+                <a14:hiddenLine xmlns:a14="http://schemas.microsoft.com/office/drawing/2010/main" xmlns="" w="9525">
                   <a:solidFill>
                     <a:srgbClr val="000000"/>
                   </a:solidFill>
@@ -6036,7 +6085,7 @@
             </a:ln>
             <a:extLst>
               <a:ext uri="{91240B29-F687-4f45-9708-019B960494DF}">
-                <a14:hiddenLine xmlns="" xmlns:a14="http://schemas.microsoft.com/office/drawing/2010/main" w="9525">
+                <a14:hiddenLine xmlns:a14="http://schemas.microsoft.com/office/drawing/2010/main" xmlns="" w="9525">
                   <a:solidFill>
                     <a:srgbClr val="000000"/>
                   </a:solidFill>
@@ -6126,7 +6175,7 @@
             </a:ln>
             <a:extLst>
               <a:ext uri="{91240B29-F687-4f45-9708-019B960494DF}">
-                <a14:hiddenLine xmlns="" xmlns:a14="http://schemas.microsoft.com/office/drawing/2010/main" w="9525">
+                <a14:hiddenLine xmlns:a14="http://schemas.microsoft.com/office/drawing/2010/main" xmlns="" w="9525">
                   <a:solidFill>
                     <a:srgbClr val="000000"/>
                   </a:solidFill>
@@ -6194,7 +6243,7 @@
             </a:ln>
             <a:extLst>
               <a:ext uri="{91240B29-F687-4f45-9708-019B960494DF}">
-                <a14:hiddenLine xmlns="" xmlns:a14="http://schemas.microsoft.com/office/drawing/2010/main" w="9525">
+                <a14:hiddenLine xmlns:a14="http://schemas.microsoft.com/office/drawing/2010/main" xmlns="" w="9525">
                   <a:solidFill>
                     <a:srgbClr val="000000"/>
                   </a:solidFill>
@@ -6284,7 +6333,7 @@
             </a:ln>
             <a:extLst>
               <a:ext uri="{91240B29-F687-4f45-9708-019B960494DF}">
-                <a14:hiddenLine xmlns="" xmlns:a14="http://schemas.microsoft.com/office/drawing/2010/main" w="9525">
+                <a14:hiddenLine xmlns:a14="http://schemas.microsoft.com/office/drawing/2010/main" xmlns="" w="9525">
                   <a:solidFill>
                     <a:srgbClr val="000000"/>
                   </a:solidFill>
@@ -6352,7 +6401,7 @@
             </a:ln>
             <a:extLst>
               <a:ext uri="{91240B29-F687-4f45-9708-019B960494DF}">
-                <a14:hiddenLine xmlns="" xmlns:a14="http://schemas.microsoft.com/office/drawing/2010/main" w="9525">
+                <a14:hiddenLine xmlns:a14="http://schemas.microsoft.com/office/drawing/2010/main" xmlns="" w="9525">
                   <a:solidFill>
                     <a:srgbClr val="000000"/>
                   </a:solidFill>
@@ -6442,7 +6491,7 @@
             </a:ln>
             <a:extLst>
               <a:ext uri="{91240B29-F687-4f45-9708-019B960494DF}">
-                <a14:hiddenLine xmlns="" xmlns:a14="http://schemas.microsoft.com/office/drawing/2010/main" w="9525">
+                <a14:hiddenLine xmlns:a14="http://schemas.microsoft.com/office/drawing/2010/main" xmlns="" w="9525">
                   <a:solidFill>
                     <a:srgbClr val="000000"/>
                   </a:solidFill>
@@ -6476,7 +6525,7 @@
             </a:ln>
             <a:extLst>
               <a:ext uri="{91240B29-F687-4f45-9708-019B960494DF}">
-                <a14:hiddenLine xmlns="" xmlns:a14="http://schemas.microsoft.com/office/drawing/2010/main" w="9525">
+                <a14:hiddenLine xmlns:a14="http://schemas.microsoft.com/office/drawing/2010/main" xmlns="" w="9525">
                   <a:solidFill>
                     <a:srgbClr val="000000"/>
                   </a:solidFill>
@@ -6566,7 +6615,7 @@
             </a:ln>
             <a:extLst>
               <a:ext uri="{91240B29-F687-4f45-9708-019B960494DF}">
-                <a14:hiddenLine xmlns="" xmlns:a14="http://schemas.microsoft.com/office/drawing/2010/main" w="9525">
+                <a14:hiddenLine xmlns:a14="http://schemas.microsoft.com/office/drawing/2010/main" xmlns="" w="9525">
                   <a:solidFill>
                     <a:srgbClr val="000000"/>
                   </a:solidFill>
@@ -6628,7 +6677,7 @@
             </a:ln>
             <a:extLst>
               <a:ext uri="{91240B29-F687-4f45-9708-019B960494DF}">
-                <a14:hiddenLine xmlns="" xmlns:a14="http://schemas.microsoft.com/office/drawing/2010/main" w="9525">
+                <a14:hiddenLine xmlns:a14="http://schemas.microsoft.com/office/drawing/2010/main" xmlns="" w="9525">
                   <a:solidFill>
                     <a:srgbClr val="000000"/>
                   </a:solidFill>
@@ -6690,7 +6739,7 @@
             </a:ln>
             <a:extLst>
               <a:ext uri="{91240B29-F687-4f45-9708-019B960494DF}">
-                <a14:hiddenLine xmlns="" xmlns:a14="http://schemas.microsoft.com/office/drawing/2010/main" w="9525">
+                <a14:hiddenLine xmlns:a14="http://schemas.microsoft.com/office/drawing/2010/main" xmlns="" w="9525">
                   <a:solidFill>
                     <a:srgbClr val="000000"/>
                   </a:solidFill>
@@ -6780,7 +6829,7 @@
             </a:ln>
             <a:extLst>
               <a:ext uri="{91240B29-F687-4f45-9708-019B960494DF}">
-                <a14:hiddenLine xmlns="" xmlns:a14="http://schemas.microsoft.com/office/drawing/2010/main" w="9525">
+                <a14:hiddenLine xmlns:a14="http://schemas.microsoft.com/office/drawing/2010/main" xmlns="" w="9525">
                   <a:solidFill>
                     <a:srgbClr val="000000"/>
                   </a:solidFill>
@@ -6848,7 +6897,7 @@
             </a:ln>
             <a:extLst>
               <a:ext uri="{91240B29-F687-4f45-9708-019B960494DF}">
-                <a14:hiddenLine xmlns="" xmlns:a14="http://schemas.microsoft.com/office/drawing/2010/main" w="9525">
+                <a14:hiddenLine xmlns:a14="http://schemas.microsoft.com/office/drawing/2010/main" xmlns="" w="9525">
                   <a:solidFill>
                     <a:srgbClr val="000000"/>
                   </a:solidFill>
@@ -6910,7 +6959,7 @@
             </a:ln>
             <a:extLst>
               <a:ext uri="{91240B29-F687-4f45-9708-019B960494DF}">
-                <a14:hiddenLine xmlns="" xmlns:a14="http://schemas.microsoft.com/office/drawing/2010/main" w="9525">
+                <a14:hiddenLine xmlns:a14="http://schemas.microsoft.com/office/drawing/2010/main" xmlns="" w="9525">
                   <a:solidFill>
                     <a:srgbClr val="000000"/>
                   </a:solidFill>
@@ -7000,7 +7049,7 @@
             </a:ln>
             <a:extLst>
               <a:ext uri="{91240B29-F687-4f45-9708-019B960494DF}">
-                <a14:hiddenLine xmlns="" xmlns:a14="http://schemas.microsoft.com/office/drawing/2010/main" w="9525">
+                <a14:hiddenLine xmlns:a14="http://schemas.microsoft.com/office/drawing/2010/main" xmlns="" w="9525">
                   <a:solidFill>
                     <a:srgbClr val="000000"/>
                   </a:solidFill>
@@ -7062,7 +7111,7 @@
             </a:ln>
             <a:extLst>
               <a:ext uri="{91240B29-F687-4f45-9708-019B960494DF}">
-                <a14:hiddenLine xmlns="" xmlns:a14="http://schemas.microsoft.com/office/drawing/2010/main" w="9525">
+                <a14:hiddenLine xmlns:a14="http://schemas.microsoft.com/office/drawing/2010/main" xmlns="" w="9525">
                   <a:solidFill>
                     <a:srgbClr val="000000"/>
                   </a:solidFill>
@@ -7152,7 +7201,7 @@
             </a:ln>
             <a:extLst>
               <a:ext uri="{91240B29-F687-4f45-9708-019B960494DF}">
-                <a14:hiddenLine xmlns="" xmlns:a14="http://schemas.microsoft.com/office/drawing/2010/main" w="9525">
+                <a14:hiddenLine xmlns:a14="http://schemas.microsoft.com/office/drawing/2010/main" xmlns="" w="9525">
                   <a:solidFill>
                     <a:srgbClr val="000000"/>
                   </a:solidFill>
@@ -7214,7 +7263,7 @@
             </a:ln>
             <a:extLst>
               <a:ext uri="{91240B29-F687-4f45-9708-019B960494DF}">
-                <a14:hiddenLine xmlns="" xmlns:a14="http://schemas.microsoft.com/office/drawing/2010/main" w="9525">
+                <a14:hiddenLine xmlns:a14="http://schemas.microsoft.com/office/drawing/2010/main" xmlns="" w="9525">
                   <a:solidFill>
                     <a:srgbClr val="000000"/>
                   </a:solidFill>
@@ -7304,7 +7353,7 @@
             </a:ln>
             <a:extLst>
               <a:ext uri="{91240B29-F687-4f45-9708-019B960494DF}">
-                <a14:hiddenLine xmlns="" xmlns:a14="http://schemas.microsoft.com/office/drawing/2010/main" w="9525">
+                <a14:hiddenLine xmlns:a14="http://schemas.microsoft.com/office/drawing/2010/main" xmlns="" w="9525">
                   <a:solidFill>
                     <a:srgbClr val="000000"/>
                   </a:solidFill>
@@ -7338,7 +7387,7 @@
             </a:ln>
             <a:extLst>
               <a:ext uri="{91240B29-F687-4f45-9708-019B960494DF}">
-                <a14:hiddenLine xmlns="" xmlns:a14="http://schemas.microsoft.com/office/drawing/2010/main" w="9525">
+                <a14:hiddenLine xmlns:a14="http://schemas.microsoft.com/office/drawing/2010/main" xmlns="" w="9525">
                   <a:solidFill>
                     <a:srgbClr val="000000"/>
                   </a:solidFill>
@@ -7403,7 +7452,7 @@
             </a:ln>
             <a:extLst>
               <a:ext uri="{91240B29-F687-4f45-9708-019B960494DF}">
-                <a14:hiddenLine xmlns="" xmlns:a14="http://schemas.microsoft.com/office/drawing/2010/main" w="9525">
+                <a14:hiddenLine xmlns:a14="http://schemas.microsoft.com/office/drawing/2010/main" xmlns="" w="9525">
                   <a:solidFill>
                     <a:srgbClr val="000000"/>
                   </a:solidFill>
@@ -7493,7 +7542,7 @@
             </a:ln>
             <a:extLst>
               <a:ext uri="{91240B29-F687-4f45-9708-019B960494DF}">
-                <a14:hiddenLine xmlns="" xmlns:a14="http://schemas.microsoft.com/office/drawing/2010/main" w="9525">
+                <a14:hiddenLine xmlns:a14="http://schemas.microsoft.com/office/drawing/2010/main" xmlns="" w="9525">
                   <a:solidFill>
                     <a:srgbClr val="000000"/>
                   </a:solidFill>
@@ -7555,7 +7604,7 @@
             </a:ln>
             <a:extLst>
               <a:ext uri="{91240B29-F687-4f45-9708-019B960494DF}">
-                <a14:hiddenLine xmlns="" xmlns:a14="http://schemas.microsoft.com/office/drawing/2010/main" w="9525">
+                <a14:hiddenLine xmlns:a14="http://schemas.microsoft.com/office/drawing/2010/main" xmlns="" w="9525">
                   <a:solidFill>
                     <a:srgbClr val="000000"/>
                   </a:solidFill>
@@ -7645,7 +7694,7 @@
             </a:ln>
             <a:extLst>
               <a:ext uri="{91240B29-F687-4f45-9708-019B960494DF}">
-                <a14:hiddenLine xmlns="" xmlns:a14="http://schemas.microsoft.com/office/drawing/2010/main" w="9525">
+                <a14:hiddenLine xmlns:a14="http://schemas.microsoft.com/office/drawing/2010/main" xmlns="" w="9525">
                   <a:solidFill>
                     <a:srgbClr val="000000"/>
                   </a:solidFill>
@@ -7735,7 +7784,7 @@
             </a:ln>
             <a:extLst>
               <a:ext uri="{91240B29-F687-4f45-9708-019B960494DF}">
-                <a14:hiddenLine xmlns="" xmlns:a14="http://schemas.microsoft.com/office/drawing/2010/main" w="9525">
+                <a14:hiddenLine xmlns:a14="http://schemas.microsoft.com/office/drawing/2010/main" xmlns="" w="9525">
                   <a:solidFill>
                     <a:srgbClr val="000000"/>
                   </a:solidFill>
@@ -7800,7 +7849,7 @@
             </a:ln>
             <a:extLst>
               <a:ext uri="{91240B29-F687-4f45-9708-019B960494DF}">
-                <a14:hiddenLine xmlns="" xmlns:a14="http://schemas.microsoft.com/office/drawing/2010/main" w="9525">
+                <a14:hiddenLine xmlns:a14="http://schemas.microsoft.com/office/drawing/2010/main" xmlns="" w="9525">
                   <a:solidFill>
                     <a:srgbClr val="000000"/>
                   </a:solidFill>
@@ -7862,7 +7911,7 @@
             </a:ln>
             <a:extLst>
               <a:ext uri="{91240B29-F687-4f45-9708-019B960494DF}">
-                <a14:hiddenLine xmlns="" xmlns:a14="http://schemas.microsoft.com/office/drawing/2010/main" w="9525">
+                <a14:hiddenLine xmlns:a14="http://schemas.microsoft.com/office/drawing/2010/main" xmlns="" w="9525">
                   <a:solidFill>
                     <a:srgbClr val="000000"/>
                   </a:solidFill>
@@ -7952,7 +8001,7 @@
             </a:ln>
             <a:extLst>
               <a:ext uri="{91240B29-F687-4f45-9708-019B960494DF}">
-                <a14:hiddenLine xmlns="" xmlns:a14="http://schemas.microsoft.com/office/drawing/2010/main" w="9525">
+                <a14:hiddenLine xmlns:a14="http://schemas.microsoft.com/office/drawing/2010/main" xmlns="" w="9525">
                   <a:solidFill>
                     <a:srgbClr val="000000"/>
                   </a:solidFill>
@@ -8042,7 +8091,7 @@
             </a:ln>
             <a:extLst>
               <a:ext uri="{91240B29-F687-4f45-9708-019B960494DF}">
-                <a14:hiddenLine xmlns="" xmlns:a14="http://schemas.microsoft.com/office/drawing/2010/main" w="9525">
+                <a14:hiddenLine xmlns:a14="http://schemas.microsoft.com/office/drawing/2010/main" xmlns="" w="9525">
                   <a:solidFill>
                     <a:srgbClr val="000000"/>
                   </a:solidFill>
@@ -8104,7 +8153,7 @@
             </a:ln>
             <a:extLst>
               <a:ext uri="{91240B29-F687-4f45-9708-019B960494DF}">
-                <a14:hiddenLine xmlns="" xmlns:a14="http://schemas.microsoft.com/office/drawing/2010/main" w="9525">
+                <a14:hiddenLine xmlns:a14="http://schemas.microsoft.com/office/drawing/2010/main" xmlns="" w="9525">
                   <a:solidFill>
                     <a:srgbClr val="000000"/>
                   </a:solidFill>
@@ -8224,7 +8273,7 @@
             </a:ln>
             <a:extLst>
               <a:ext uri="{91240B29-F687-4f45-9708-019B960494DF}">
-                <a14:hiddenLine xmlns="" xmlns:a14="http://schemas.microsoft.com/office/drawing/2010/main" w="9525">
+                <a14:hiddenLine xmlns:a14="http://schemas.microsoft.com/office/drawing/2010/main" xmlns="" w="9525">
                   <a:solidFill>
                     <a:srgbClr val="000000"/>
                   </a:solidFill>
@@ -8292,7 +8341,7 @@
             </a:ln>
             <a:extLst>
               <a:ext uri="{91240B29-F687-4f45-9708-019B960494DF}">
-                <a14:hiddenLine xmlns="" xmlns:a14="http://schemas.microsoft.com/office/drawing/2010/main" w="9525">
+                <a14:hiddenLine xmlns:a14="http://schemas.microsoft.com/office/drawing/2010/main" xmlns="" w="9525">
                   <a:solidFill>
                     <a:srgbClr val="000000"/>
                   </a:solidFill>
@@ -8382,7 +8431,7 @@
             </a:ln>
             <a:extLst>
               <a:ext uri="{91240B29-F687-4f45-9708-019B960494DF}">
-                <a14:hiddenLine xmlns="" xmlns:a14="http://schemas.microsoft.com/office/drawing/2010/main" w="9525">
+                <a14:hiddenLine xmlns:a14="http://schemas.microsoft.com/office/drawing/2010/main" xmlns="" w="9525">
                   <a:solidFill>
                     <a:srgbClr val="000000"/>
                   </a:solidFill>
@@ -8523,7 +8572,7 @@
             <a:fld id="{4AAD347D-5ACD-4C99-B74B-A9C85AD731AF}" type="datetimeFigureOut">
               <a:rPr lang="en-US" smtClean="0"/>
               <a:pPr/>
-              <a:t>7/23/2023</a:t>
+              <a:t>3/27/2025</a:t>
             </a:fld>
             <a:endParaRPr lang="en-US" dirty="0"/>
           </a:p>
@@ -8585,20 +8634,20 @@
     </p:spTree>
     <p:extLst>
       <p:ext uri="{BB962C8B-B14F-4D97-AF65-F5344CB8AC3E}">
-        <p14:creationId xmlns:p14="http://schemas.microsoft.com/office/powerpoint/2010/main" val="3218804330"/>
+        <p14:creationId xmlns:p14="http://schemas.microsoft.com/office/powerpoint/2010/main" xmlns="" val="3218804330"/>
       </p:ext>
     </p:extLst>
   </p:cSld>
   <p:clrMapOvr>
     <a:masterClrMapping/>
   </p:clrMapOvr>
-  <mc:AlternateContent xmlns:mc="http://schemas.openxmlformats.org/markup-compatibility/2006" xmlns:p14="http://schemas.microsoft.com/office/powerpoint/2010/main">
-    <mc:Choice Requires="p14">
+  <mc:AlternateContent xmlns:mc="http://schemas.openxmlformats.org/markup-compatibility/2006">
+    <mc:Choice xmlns:p14="http://schemas.microsoft.com/office/powerpoint/2010/main" xmlns="" Requires="p14">
       <p:transition spd="med" p14:dur="700">
         <p:fade/>
       </p:transition>
     </mc:Choice>
-    <mc:Fallback xmlns="">
+    <mc:Fallback>
       <p:transition spd="med">
         <p:fade/>
       </p:transition>
@@ -8712,10 +8761,9 @@
               <a:buNone/>
             </a:pPr>
             <a:r>
-              <a:rPr lang="en-US"/>
+              <a:rPr lang="en-US" dirty="0"/>
               <a:t>Click icon to add picture</a:t>
             </a:r>
-            <a:endParaRPr lang="en-US" dirty="0"/>
           </a:p>
         </p:txBody>
       </p:sp>
@@ -8804,9 +8852,9 @@
             <a:fld id="{881DC1F7-A9E9-4D8B-8C97-C74523B2CF2A}" type="datetimeFigureOut">
               <a:rPr lang="en-US" smtClean="0"/>
               <a:pPr/>
-              <a:t>7/23/2023</a:t>
+              <a:t>3/27/2025</a:t>
             </a:fld>
-            <a:endParaRPr lang="en-US"/>
+            <a:endParaRPr lang="en-US" dirty="0"/>
           </a:p>
         </p:txBody>
       </p:sp>
@@ -8825,7 +8873,7 @@
           <a:bodyPr/>
           <a:lstStyle/>
           <a:p>
-            <a:endParaRPr lang="en-IN"/>
+            <a:endParaRPr lang="en-IN" dirty="0"/>
           </a:p>
         </p:txBody>
       </p:sp>
@@ -8849,14 +8897,14 @@
               <a:pPr/>
               <a:t>‹#›</a:t>
             </a:fld>
-            <a:endParaRPr lang="en-IN"/>
+            <a:endParaRPr lang="en-IN" dirty="0"/>
           </a:p>
         </p:txBody>
       </p:sp>
     </p:spTree>
     <p:extLst>
       <p:ext uri="{BB962C8B-B14F-4D97-AF65-F5344CB8AC3E}">
-        <p14:creationId xmlns:p14="http://schemas.microsoft.com/office/powerpoint/2010/main" val="39072655"/>
+        <p14:creationId xmlns:p14="http://schemas.microsoft.com/office/powerpoint/2010/main" xmlns="" val="39072655"/>
       </p:ext>
     </p:extLst>
   </p:cSld>
@@ -9002,9 +9050,9 @@
             <a:fld id="{881DC1F7-A9E9-4D8B-8C97-C74523B2CF2A}" type="datetimeFigureOut">
               <a:rPr lang="en-US" smtClean="0"/>
               <a:pPr/>
-              <a:t>7/23/2023</a:t>
+              <a:t>3/27/2025</a:t>
             </a:fld>
-            <a:endParaRPr lang="en-US"/>
+            <a:endParaRPr lang="en-US" dirty="0"/>
           </a:p>
         </p:txBody>
       </p:sp>
@@ -9023,7 +9071,7 @@
           <a:bodyPr/>
           <a:lstStyle/>
           <a:p>
-            <a:endParaRPr lang="en-IN"/>
+            <a:endParaRPr lang="en-IN" dirty="0"/>
           </a:p>
         </p:txBody>
       </p:sp>
@@ -9047,14 +9095,14 @@
               <a:pPr/>
               <a:t>‹#›</a:t>
             </a:fld>
-            <a:endParaRPr lang="en-IN"/>
+            <a:endParaRPr lang="en-IN" dirty="0"/>
           </a:p>
         </p:txBody>
       </p:sp>
     </p:spTree>
     <p:extLst>
       <p:ext uri="{BB962C8B-B14F-4D97-AF65-F5344CB8AC3E}">
-        <p14:creationId xmlns:p14="http://schemas.microsoft.com/office/powerpoint/2010/main" val="1189960723"/>
+        <p14:creationId xmlns:p14="http://schemas.microsoft.com/office/powerpoint/2010/main" xmlns="" val="1189960723"/>
       </p:ext>
     </p:extLst>
   </p:cSld>
@@ -9267,9 +9315,9 @@
             <a:fld id="{881DC1F7-A9E9-4D8B-8C97-C74523B2CF2A}" type="datetimeFigureOut">
               <a:rPr lang="en-US" smtClean="0"/>
               <a:pPr/>
-              <a:t>7/23/2023</a:t>
+              <a:t>3/27/2025</a:t>
             </a:fld>
-            <a:endParaRPr lang="en-US"/>
+            <a:endParaRPr lang="en-US" dirty="0"/>
           </a:p>
         </p:txBody>
       </p:sp>
@@ -9288,7 +9336,7 @@
           <a:bodyPr/>
           <a:lstStyle/>
           <a:p>
-            <a:endParaRPr lang="en-IN"/>
+            <a:endParaRPr lang="en-IN" dirty="0"/>
           </a:p>
         </p:txBody>
       </p:sp>
@@ -9312,7 +9360,7 @@
               <a:pPr/>
               <a:t>‹#›</a:t>
             </a:fld>
-            <a:endParaRPr lang="en-IN"/>
+            <a:endParaRPr lang="en-IN" dirty="0"/>
           </a:p>
         </p:txBody>
       </p:sp>
@@ -9557,7 +9605,7 @@
     </p:spTree>
     <p:extLst>
       <p:ext uri="{BB962C8B-B14F-4D97-AF65-F5344CB8AC3E}">
-        <p14:creationId xmlns:p14="http://schemas.microsoft.com/office/powerpoint/2010/main" val="3876798530"/>
+        <p14:creationId xmlns:p14="http://schemas.microsoft.com/office/powerpoint/2010/main" xmlns="" val="3876798530"/>
       </p:ext>
     </p:extLst>
   </p:cSld>
@@ -9703,9 +9751,9 @@
             <a:fld id="{881DC1F7-A9E9-4D8B-8C97-C74523B2CF2A}" type="datetimeFigureOut">
               <a:rPr lang="en-US" smtClean="0"/>
               <a:pPr/>
-              <a:t>7/23/2023</a:t>
+              <a:t>3/27/2025</a:t>
             </a:fld>
-            <a:endParaRPr lang="en-US"/>
+            <a:endParaRPr lang="en-US" dirty="0"/>
           </a:p>
         </p:txBody>
       </p:sp>
@@ -9724,7 +9772,7 @@
           <a:bodyPr/>
           <a:lstStyle/>
           <a:p>
-            <a:endParaRPr lang="en-IN"/>
+            <a:endParaRPr lang="en-IN" dirty="0"/>
           </a:p>
         </p:txBody>
       </p:sp>
@@ -9748,14 +9796,14 @@
               <a:pPr/>
               <a:t>‹#›</a:t>
             </a:fld>
-            <a:endParaRPr lang="en-IN"/>
+            <a:endParaRPr lang="en-IN" dirty="0"/>
           </a:p>
         </p:txBody>
       </p:sp>
     </p:spTree>
     <p:extLst>
       <p:ext uri="{BB962C8B-B14F-4D97-AF65-F5344CB8AC3E}">
-        <p14:creationId xmlns:p14="http://schemas.microsoft.com/office/powerpoint/2010/main" val="2276806801"/>
+        <p14:creationId xmlns:p14="http://schemas.microsoft.com/office/powerpoint/2010/main" xmlns="" val="2276806801"/>
       </p:ext>
     </p:extLst>
   </p:cSld>
@@ -10251,9 +10299,9 @@
             <a:fld id="{881DC1F7-A9E9-4D8B-8C97-C74523B2CF2A}" type="datetimeFigureOut">
               <a:rPr lang="en-US" smtClean="0"/>
               <a:pPr/>
-              <a:t>7/23/2023</a:t>
+              <a:t>3/27/2025</a:t>
             </a:fld>
-            <a:endParaRPr lang="en-US"/>
+            <a:endParaRPr lang="en-US" dirty="0"/>
           </a:p>
         </p:txBody>
       </p:sp>
@@ -10272,7 +10320,7 @@
           <a:bodyPr/>
           <a:lstStyle/>
           <a:p>
-            <a:endParaRPr lang="en-IN"/>
+            <a:endParaRPr lang="en-IN" dirty="0"/>
           </a:p>
         </p:txBody>
       </p:sp>
@@ -10296,14 +10344,14 @@
               <a:pPr/>
               <a:t>‹#›</a:t>
             </a:fld>
-            <a:endParaRPr lang="en-IN"/>
+            <a:endParaRPr lang="en-IN" dirty="0"/>
           </a:p>
         </p:txBody>
       </p:sp>
     </p:spTree>
     <p:extLst>
       <p:ext uri="{BB962C8B-B14F-4D97-AF65-F5344CB8AC3E}">
-        <p14:creationId xmlns:p14="http://schemas.microsoft.com/office/powerpoint/2010/main" val="550673690"/>
+        <p14:creationId xmlns:p14="http://schemas.microsoft.com/office/powerpoint/2010/main" xmlns="" val="550673690"/>
       </p:ext>
     </p:extLst>
   </p:cSld>
@@ -10483,10 +10531,9 @@
               <a:buNone/>
             </a:pPr>
             <a:r>
-              <a:rPr lang="en-US"/>
+              <a:rPr lang="en-US" dirty="0"/>
               <a:t>Click icon to add picture</a:t>
             </a:r>
-            <a:endParaRPr lang="en-US" dirty="0"/>
           </a:p>
         </p:txBody>
       </p:sp>
@@ -10682,10 +10729,9 @@
               <a:buNone/>
             </a:pPr>
             <a:r>
-              <a:rPr lang="en-US"/>
+              <a:rPr lang="en-US" dirty="0"/>
               <a:t>Click icon to add picture</a:t>
             </a:r>
-            <a:endParaRPr lang="en-US" dirty="0"/>
           </a:p>
         </p:txBody>
       </p:sp>
@@ -10881,10 +10927,9 @@
               <a:buNone/>
             </a:pPr>
             <a:r>
-              <a:rPr lang="en-US"/>
+              <a:rPr lang="en-US" dirty="0"/>
               <a:t>Click icon to add picture</a:t>
             </a:r>
-            <a:endParaRPr lang="en-US" dirty="0"/>
           </a:p>
         </p:txBody>
       </p:sp>
@@ -10973,9 +11018,9 @@
             <a:fld id="{881DC1F7-A9E9-4D8B-8C97-C74523B2CF2A}" type="datetimeFigureOut">
               <a:rPr lang="en-US" smtClean="0"/>
               <a:pPr/>
-              <a:t>7/23/2023</a:t>
+              <a:t>3/27/2025</a:t>
             </a:fld>
-            <a:endParaRPr lang="en-US"/>
+            <a:endParaRPr lang="en-US" dirty="0"/>
           </a:p>
         </p:txBody>
       </p:sp>
@@ -10994,7 +11039,7 @@
           <a:bodyPr/>
           <a:lstStyle/>
           <a:p>
-            <a:endParaRPr lang="en-IN"/>
+            <a:endParaRPr lang="en-IN" dirty="0"/>
           </a:p>
         </p:txBody>
       </p:sp>
@@ -11018,14 +11063,14 @@
               <a:pPr/>
               <a:t>‹#›</a:t>
             </a:fld>
-            <a:endParaRPr lang="en-IN"/>
+            <a:endParaRPr lang="en-IN" dirty="0"/>
           </a:p>
         </p:txBody>
       </p:sp>
     </p:spTree>
     <p:extLst>
       <p:ext uri="{BB962C8B-B14F-4D97-AF65-F5344CB8AC3E}">
-        <p14:creationId xmlns:p14="http://schemas.microsoft.com/office/powerpoint/2010/main" val="2988500744"/>
+        <p14:creationId xmlns:p14="http://schemas.microsoft.com/office/powerpoint/2010/main" xmlns="" val="2988500744"/>
       </p:ext>
     </p:extLst>
   </p:cSld>
@@ -11145,9 +11190,9 @@
             <a:fld id="{881DC1F7-A9E9-4D8B-8C97-C74523B2CF2A}" type="datetimeFigureOut">
               <a:rPr lang="en-US" smtClean="0"/>
               <a:pPr/>
-              <a:t>7/23/2023</a:t>
+              <a:t>3/27/2025</a:t>
             </a:fld>
-            <a:endParaRPr lang="en-US"/>
+            <a:endParaRPr lang="en-US" dirty="0"/>
           </a:p>
         </p:txBody>
       </p:sp>
@@ -11166,7 +11211,7 @@
           <a:bodyPr/>
           <a:lstStyle/>
           <a:p>
-            <a:endParaRPr lang="en-US"/>
+            <a:endParaRPr lang="en-US" dirty="0"/>
           </a:p>
         </p:txBody>
       </p:sp>
@@ -11190,27 +11235,27 @@
               <a:pPr/>
               <a:t>‹#›</a:t>
             </a:fld>
-            <a:endParaRPr lang="en-US"/>
+            <a:endParaRPr lang="en-US" dirty="0"/>
           </a:p>
         </p:txBody>
       </p:sp>
     </p:spTree>
     <p:extLst>
       <p:ext uri="{BB962C8B-B14F-4D97-AF65-F5344CB8AC3E}">
-        <p14:creationId xmlns:p14="http://schemas.microsoft.com/office/powerpoint/2010/main" val="2871033365"/>
+        <p14:creationId xmlns:p14="http://schemas.microsoft.com/office/powerpoint/2010/main" xmlns="" val="2871033365"/>
       </p:ext>
     </p:extLst>
   </p:cSld>
   <p:clrMapOvr>
     <a:masterClrMapping/>
   </p:clrMapOvr>
-  <mc:AlternateContent xmlns:mc="http://schemas.openxmlformats.org/markup-compatibility/2006" xmlns:p14="http://schemas.microsoft.com/office/powerpoint/2010/main">
-    <mc:Choice Requires="p14">
+  <mc:AlternateContent xmlns:mc="http://schemas.openxmlformats.org/markup-compatibility/2006">
+    <mc:Choice xmlns:p14="http://schemas.microsoft.com/office/powerpoint/2010/main" xmlns="" Requires="p14">
       <p:transition spd="med" p14:dur="700">
         <p:fade/>
       </p:transition>
     </mc:Choice>
-    <mc:Fallback xmlns="">
+    <mc:Fallback>
       <p:transition spd="med">
         <p:fade/>
       </p:transition>
@@ -11339,9 +11384,9 @@
             <a:fld id="{881DC1F7-A9E9-4D8B-8C97-C74523B2CF2A}" type="datetimeFigureOut">
               <a:rPr lang="en-US" smtClean="0"/>
               <a:pPr/>
-              <a:t>7/23/2023</a:t>
+              <a:t>3/27/2025</a:t>
             </a:fld>
-            <a:endParaRPr lang="en-US"/>
+            <a:endParaRPr lang="en-US" dirty="0"/>
           </a:p>
         </p:txBody>
       </p:sp>
@@ -11360,7 +11405,7 @@
           <a:bodyPr/>
           <a:lstStyle/>
           <a:p>
-            <a:endParaRPr lang="en-US"/>
+            <a:endParaRPr lang="en-US" dirty="0"/>
           </a:p>
         </p:txBody>
       </p:sp>
@@ -11384,27 +11429,27 @@
               <a:pPr/>
               <a:t>‹#›</a:t>
             </a:fld>
-            <a:endParaRPr lang="en-US"/>
+            <a:endParaRPr lang="en-US" dirty="0"/>
           </a:p>
         </p:txBody>
       </p:sp>
     </p:spTree>
     <p:extLst>
       <p:ext uri="{BB962C8B-B14F-4D97-AF65-F5344CB8AC3E}">
-        <p14:creationId xmlns:p14="http://schemas.microsoft.com/office/powerpoint/2010/main" val="1031243793"/>
+        <p14:creationId xmlns:p14="http://schemas.microsoft.com/office/powerpoint/2010/main" xmlns="" val="1031243793"/>
       </p:ext>
     </p:extLst>
   </p:cSld>
   <p:clrMapOvr>
     <a:masterClrMapping/>
   </p:clrMapOvr>
-  <mc:AlternateContent xmlns:mc="http://schemas.openxmlformats.org/markup-compatibility/2006" xmlns:p14="http://schemas.microsoft.com/office/powerpoint/2010/main">
-    <mc:Choice Requires="p14">
+  <mc:AlternateContent xmlns:mc="http://schemas.openxmlformats.org/markup-compatibility/2006">
+    <mc:Choice xmlns:p14="http://schemas.microsoft.com/office/powerpoint/2010/main" xmlns="" Requires="p14">
       <p:transition spd="med" p14:dur="700">
         <p:fade/>
       </p:transition>
     </mc:Choice>
-    <mc:Fallback xmlns="">
+    <mc:Fallback>
       <p:transition spd="med">
         <p:fade/>
       </p:transition>
@@ -11523,9 +11568,9 @@
             <a:fld id="{881DC1F7-A9E9-4D8B-8C97-C74523B2CF2A}" type="datetimeFigureOut">
               <a:rPr lang="en-US" smtClean="0"/>
               <a:pPr/>
-              <a:t>7/23/2023</a:t>
+              <a:t>3/27/2025</a:t>
             </a:fld>
-            <a:endParaRPr lang="en-US"/>
+            <a:endParaRPr lang="en-US" dirty="0"/>
           </a:p>
         </p:txBody>
       </p:sp>
@@ -11544,7 +11589,7 @@
           <a:bodyPr/>
           <a:lstStyle/>
           <a:p>
-            <a:endParaRPr lang="en-US"/>
+            <a:endParaRPr lang="en-US" dirty="0"/>
           </a:p>
         </p:txBody>
       </p:sp>
@@ -11568,27 +11613,27 @@
               <a:pPr/>
               <a:t>‹#›</a:t>
             </a:fld>
-            <a:endParaRPr lang="en-US"/>
+            <a:endParaRPr lang="en-US" dirty="0"/>
           </a:p>
         </p:txBody>
       </p:sp>
     </p:spTree>
     <p:extLst>
       <p:ext uri="{BB962C8B-B14F-4D97-AF65-F5344CB8AC3E}">
-        <p14:creationId xmlns:p14="http://schemas.microsoft.com/office/powerpoint/2010/main" val="2644870261"/>
+        <p14:creationId xmlns:p14="http://schemas.microsoft.com/office/powerpoint/2010/main" xmlns="" val="2644870261"/>
       </p:ext>
     </p:extLst>
   </p:cSld>
   <p:clrMapOvr>
     <a:masterClrMapping/>
   </p:clrMapOvr>
-  <mc:AlternateContent xmlns:mc="http://schemas.openxmlformats.org/markup-compatibility/2006" xmlns:p14="http://schemas.microsoft.com/office/powerpoint/2010/main">
-    <mc:Choice Requires="p14">
+  <mc:AlternateContent xmlns:mc="http://schemas.openxmlformats.org/markup-compatibility/2006">
+    <mc:Choice xmlns:p14="http://schemas.microsoft.com/office/powerpoint/2010/main" xmlns="" Requires="p14">
       <p:transition spd="med" p14:dur="700">
         <p:fade/>
       </p:transition>
     </mc:Choice>
-    <mc:Fallback xmlns="">
+    <mc:Fallback>
       <p:transition spd="med">
         <p:fade/>
       </p:transition>
@@ -11787,9 +11832,9 @@
             <a:fld id="{881DC1F7-A9E9-4D8B-8C97-C74523B2CF2A}" type="datetimeFigureOut">
               <a:rPr lang="en-US" smtClean="0"/>
               <a:pPr/>
-              <a:t>7/23/2023</a:t>
+              <a:t>3/27/2025</a:t>
             </a:fld>
-            <a:endParaRPr lang="en-US"/>
+            <a:endParaRPr lang="en-US" dirty="0"/>
           </a:p>
         </p:txBody>
       </p:sp>
@@ -11808,7 +11853,7 @@
           <a:bodyPr/>
           <a:lstStyle/>
           <a:p>
-            <a:endParaRPr lang="en-US"/>
+            <a:endParaRPr lang="en-US" dirty="0"/>
           </a:p>
         </p:txBody>
       </p:sp>
@@ -11832,27 +11877,27 @@
               <a:pPr/>
               <a:t>‹#›</a:t>
             </a:fld>
-            <a:endParaRPr lang="en-US"/>
+            <a:endParaRPr lang="en-US" dirty="0"/>
           </a:p>
         </p:txBody>
       </p:sp>
     </p:spTree>
     <p:extLst>
       <p:ext uri="{BB962C8B-B14F-4D97-AF65-F5344CB8AC3E}">
-        <p14:creationId xmlns:p14="http://schemas.microsoft.com/office/powerpoint/2010/main" val="1879281658"/>
+        <p14:creationId xmlns:p14="http://schemas.microsoft.com/office/powerpoint/2010/main" xmlns="" val="1879281658"/>
       </p:ext>
     </p:extLst>
   </p:cSld>
   <p:clrMapOvr>
     <a:masterClrMapping/>
   </p:clrMapOvr>
-  <mc:AlternateContent xmlns:mc="http://schemas.openxmlformats.org/markup-compatibility/2006" xmlns:p14="http://schemas.microsoft.com/office/powerpoint/2010/main">
-    <mc:Choice Requires="p14">
+  <mc:AlternateContent xmlns:mc="http://schemas.openxmlformats.org/markup-compatibility/2006">
+    <mc:Choice xmlns:p14="http://schemas.microsoft.com/office/powerpoint/2010/main" xmlns="" Requires="p14">
       <p:transition spd="med" p14:dur="700">
         <p:fade/>
       </p:transition>
     </mc:Choice>
-    <mc:Fallback xmlns="">
+    <mc:Fallback>
       <p:transition spd="med">
         <p:fade/>
       </p:transition>
@@ -12033,9 +12078,9 @@
             <a:fld id="{881DC1F7-A9E9-4D8B-8C97-C74523B2CF2A}" type="datetimeFigureOut">
               <a:rPr lang="en-US" smtClean="0"/>
               <a:pPr/>
-              <a:t>7/23/2023</a:t>
+              <a:t>3/27/2025</a:t>
             </a:fld>
-            <a:endParaRPr lang="en-US"/>
+            <a:endParaRPr lang="en-US" dirty="0"/>
           </a:p>
         </p:txBody>
       </p:sp>
@@ -12054,7 +12099,7 @@
           <a:bodyPr/>
           <a:lstStyle/>
           <a:p>
-            <a:endParaRPr lang="en-US"/>
+            <a:endParaRPr lang="en-US" dirty="0"/>
           </a:p>
         </p:txBody>
       </p:sp>
@@ -12078,27 +12123,27 @@
               <a:pPr/>
               <a:t>‹#›</a:t>
             </a:fld>
-            <a:endParaRPr lang="en-US"/>
+            <a:endParaRPr lang="en-US" dirty="0"/>
           </a:p>
         </p:txBody>
       </p:sp>
     </p:spTree>
     <p:extLst>
       <p:ext uri="{BB962C8B-B14F-4D97-AF65-F5344CB8AC3E}">
-        <p14:creationId xmlns:p14="http://schemas.microsoft.com/office/powerpoint/2010/main" val="1773464882"/>
+        <p14:creationId xmlns:p14="http://schemas.microsoft.com/office/powerpoint/2010/main" xmlns="" val="1773464882"/>
       </p:ext>
     </p:extLst>
   </p:cSld>
   <p:clrMapOvr>
     <a:masterClrMapping/>
   </p:clrMapOvr>
-  <mc:AlternateContent xmlns:mc="http://schemas.openxmlformats.org/markup-compatibility/2006" xmlns:p14="http://schemas.microsoft.com/office/powerpoint/2010/main">
-    <mc:Choice Requires="p14">
+  <mc:AlternateContent xmlns:mc="http://schemas.openxmlformats.org/markup-compatibility/2006">
+    <mc:Choice xmlns:p14="http://schemas.microsoft.com/office/powerpoint/2010/main" xmlns="" Requires="p14">
       <p:transition spd="med" p14:dur="700">
         <p:fade/>
       </p:transition>
     </mc:Choice>
-    <mc:Fallback xmlns="">
+    <mc:Fallback>
       <p:transition spd="med">
         <p:fade/>
       </p:transition>
@@ -12428,9 +12473,9 @@
             <a:fld id="{881DC1F7-A9E9-4D8B-8C97-C74523B2CF2A}" type="datetimeFigureOut">
               <a:rPr lang="en-US" smtClean="0"/>
               <a:pPr/>
-              <a:t>7/23/2023</a:t>
+              <a:t>3/27/2025</a:t>
             </a:fld>
-            <a:endParaRPr lang="en-US"/>
+            <a:endParaRPr lang="en-US" dirty="0"/>
           </a:p>
         </p:txBody>
       </p:sp>
@@ -12449,7 +12494,7 @@
           <a:bodyPr/>
           <a:lstStyle/>
           <a:p>
-            <a:endParaRPr lang="en-US"/>
+            <a:endParaRPr lang="en-US" dirty="0"/>
           </a:p>
         </p:txBody>
       </p:sp>
@@ -12473,27 +12518,27 @@
               <a:pPr/>
               <a:t>‹#›</a:t>
             </a:fld>
-            <a:endParaRPr lang="en-US"/>
+            <a:endParaRPr lang="en-US" dirty="0"/>
           </a:p>
         </p:txBody>
       </p:sp>
     </p:spTree>
     <p:extLst>
       <p:ext uri="{BB962C8B-B14F-4D97-AF65-F5344CB8AC3E}">
-        <p14:creationId xmlns:p14="http://schemas.microsoft.com/office/powerpoint/2010/main" val="1769477011"/>
+        <p14:creationId xmlns:p14="http://schemas.microsoft.com/office/powerpoint/2010/main" xmlns="" val="1769477011"/>
       </p:ext>
     </p:extLst>
   </p:cSld>
   <p:clrMapOvr>
     <a:masterClrMapping/>
   </p:clrMapOvr>
-  <mc:AlternateContent xmlns:mc="http://schemas.openxmlformats.org/markup-compatibility/2006" xmlns:p14="http://schemas.microsoft.com/office/powerpoint/2010/main">
-    <mc:Choice Requires="p14">
+  <mc:AlternateContent xmlns:mc="http://schemas.openxmlformats.org/markup-compatibility/2006">
+    <mc:Choice xmlns:p14="http://schemas.microsoft.com/office/powerpoint/2010/main" xmlns="" Requires="p14">
       <p:transition spd="med" p14:dur="700">
         <p:fade/>
       </p:transition>
     </mc:Choice>
-    <mc:Fallback xmlns="">
+    <mc:Fallback>
       <p:transition spd="med">
         <p:fade/>
       </p:transition>
@@ -12560,9 +12605,9 @@
             <a:fld id="{881DC1F7-A9E9-4D8B-8C97-C74523B2CF2A}" type="datetimeFigureOut">
               <a:rPr lang="en-US" smtClean="0"/>
               <a:pPr/>
-              <a:t>7/23/2023</a:t>
+              <a:t>3/27/2025</a:t>
             </a:fld>
-            <a:endParaRPr lang="en-US"/>
+            <a:endParaRPr lang="en-US" dirty="0"/>
           </a:p>
         </p:txBody>
       </p:sp>
@@ -12581,7 +12626,7 @@
           <a:bodyPr/>
           <a:lstStyle/>
           <a:p>
-            <a:endParaRPr lang="en-US"/>
+            <a:endParaRPr lang="en-US" dirty="0"/>
           </a:p>
         </p:txBody>
       </p:sp>
@@ -12605,27 +12650,27 @@
               <a:pPr/>
               <a:t>‹#›</a:t>
             </a:fld>
-            <a:endParaRPr lang="en-US"/>
+            <a:endParaRPr lang="en-US" dirty="0"/>
           </a:p>
         </p:txBody>
       </p:sp>
     </p:spTree>
     <p:extLst>
       <p:ext uri="{BB962C8B-B14F-4D97-AF65-F5344CB8AC3E}">
-        <p14:creationId xmlns:p14="http://schemas.microsoft.com/office/powerpoint/2010/main" val="4065531423"/>
+        <p14:creationId xmlns:p14="http://schemas.microsoft.com/office/powerpoint/2010/main" xmlns="" val="4065531423"/>
       </p:ext>
     </p:extLst>
   </p:cSld>
   <p:clrMapOvr>
     <a:masterClrMapping/>
   </p:clrMapOvr>
-  <mc:AlternateContent xmlns:mc="http://schemas.openxmlformats.org/markup-compatibility/2006" xmlns:p14="http://schemas.microsoft.com/office/powerpoint/2010/main">
-    <mc:Choice Requires="p14">
+  <mc:AlternateContent xmlns:mc="http://schemas.openxmlformats.org/markup-compatibility/2006">
+    <mc:Choice xmlns:p14="http://schemas.microsoft.com/office/powerpoint/2010/main" xmlns="" Requires="p14">
       <p:transition spd="med" p14:dur="700">
         <p:fade/>
       </p:transition>
     </mc:Choice>
-    <mc:Fallback xmlns="">
+    <mc:Fallback>
       <p:transition spd="med">
         <p:fade/>
       </p:transition>
@@ -12669,9 +12714,9 @@
             <a:fld id="{881DC1F7-A9E9-4D8B-8C97-C74523B2CF2A}" type="datetimeFigureOut">
               <a:rPr lang="en-US" smtClean="0"/>
               <a:pPr/>
-              <a:t>7/23/2023</a:t>
+              <a:t>3/27/2025</a:t>
             </a:fld>
-            <a:endParaRPr lang="en-US"/>
+            <a:endParaRPr lang="en-US" dirty="0"/>
           </a:p>
         </p:txBody>
       </p:sp>
@@ -12690,7 +12735,7 @@
           <a:bodyPr/>
           <a:lstStyle/>
           <a:p>
-            <a:endParaRPr lang="en-US"/>
+            <a:endParaRPr lang="en-US" dirty="0"/>
           </a:p>
         </p:txBody>
       </p:sp>
@@ -12714,27 +12759,27 @@
               <a:pPr/>
               <a:t>‹#›</a:t>
             </a:fld>
-            <a:endParaRPr lang="en-US"/>
+            <a:endParaRPr lang="en-US" dirty="0"/>
           </a:p>
         </p:txBody>
       </p:sp>
     </p:spTree>
     <p:extLst>
       <p:ext uri="{BB962C8B-B14F-4D97-AF65-F5344CB8AC3E}">
-        <p14:creationId xmlns:p14="http://schemas.microsoft.com/office/powerpoint/2010/main" val="3772541821"/>
+        <p14:creationId xmlns:p14="http://schemas.microsoft.com/office/powerpoint/2010/main" xmlns="" val="3772541821"/>
       </p:ext>
     </p:extLst>
   </p:cSld>
   <p:clrMapOvr>
     <a:masterClrMapping/>
   </p:clrMapOvr>
-  <mc:AlternateContent xmlns:mc="http://schemas.openxmlformats.org/markup-compatibility/2006" xmlns:p14="http://schemas.microsoft.com/office/powerpoint/2010/main">
-    <mc:Choice Requires="p14">
+  <mc:AlternateContent xmlns:mc="http://schemas.openxmlformats.org/markup-compatibility/2006">
+    <mc:Choice xmlns:p14="http://schemas.microsoft.com/office/powerpoint/2010/main" xmlns="" Requires="p14">
       <p:transition spd="med" p14:dur="700">
         <p:fade/>
       </p:transition>
     </mc:Choice>
-    <mc:Fallback xmlns="">
+    <mc:Fallback>
       <p:transition spd="med">
         <p:fade/>
       </p:transition>
@@ -12932,9 +12977,9 @@
             <a:fld id="{881DC1F7-A9E9-4D8B-8C97-C74523B2CF2A}" type="datetimeFigureOut">
               <a:rPr lang="en-US" smtClean="0"/>
               <a:pPr/>
-              <a:t>7/23/2023</a:t>
+              <a:t>3/27/2025</a:t>
             </a:fld>
-            <a:endParaRPr lang="en-US"/>
+            <a:endParaRPr lang="en-US" dirty="0"/>
           </a:p>
         </p:txBody>
       </p:sp>
@@ -12953,7 +12998,7 @@
           <a:bodyPr/>
           <a:lstStyle/>
           <a:p>
-            <a:endParaRPr lang="en-US"/>
+            <a:endParaRPr lang="en-US" dirty="0"/>
           </a:p>
         </p:txBody>
       </p:sp>
@@ -12977,27 +13022,27 @@
               <a:pPr/>
               <a:t>‹#›</a:t>
             </a:fld>
-            <a:endParaRPr lang="en-US"/>
+            <a:endParaRPr lang="en-US" dirty="0"/>
           </a:p>
         </p:txBody>
       </p:sp>
     </p:spTree>
     <p:extLst>
       <p:ext uri="{BB962C8B-B14F-4D97-AF65-F5344CB8AC3E}">
-        <p14:creationId xmlns:p14="http://schemas.microsoft.com/office/powerpoint/2010/main" val="2005361576"/>
+        <p14:creationId xmlns:p14="http://schemas.microsoft.com/office/powerpoint/2010/main" xmlns="" val="2005361576"/>
       </p:ext>
     </p:extLst>
   </p:cSld>
   <p:clrMapOvr>
     <a:masterClrMapping/>
   </p:clrMapOvr>
-  <mc:AlternateContent xmlns:mc="http://schemas.openxmlformats.org/markup-compatibility/2006" xmlns:p14="http://schemas.microsoft.com/office/powerpoint/2010/main">
-    <mc:Choice Requires="p14">
+  <mc:AlternateContent xmlns:mc="http://schemas.openxmlformats.org/markup-compatibility/2006">
+    <mc:Choice xmlns:p14="http://schemas.microsoft.com/office/powerpoint/2010/main" xmlns="" Requires="p14">
       <p:transition spd="med" p14:dur="700">
         <p:fade/>
       </p:transition>
     </mc:Choice>
-    <mc:Fallback xmlns="">
+    <mc:Fallback>
       <p:transition spd="med">
         <p:fade/>
       </p:transition>
@@ -13136,10 +13181,9 @@
           </a:lstStyle>
           <a:p>
             <a:r>
-              <a:rPr lang="en-US"/>
+              <a:rPr lang="en-US" dirty="0"/>
               <a:t>Click icon to add picture</a:t>
             </a:r>
-            <a:endParaRPr lang="en-US" dirty="0"/>
           </a:p>
         </p:txBody>
       </p:sp>
@@ -13226,9 +13270,9 @@
             <a:fld id="{881DC1F7-A9E9-4D8B-8C97-C74523B2CF2A}" type="datetimeFigureOut">
               <a:rPr lang="en-US" smtClean="0"/>
               <a:pPr/>
-              <a:t>7/23/2023</a:t>
+              <a:t>3/27/2025</a:t>
             </a:fld>
-            <a:endParaRPr lang="en-US"/>
+            <a:endParaRPr lang="en-US" dirty="0"/>
           </a:p>
         </p:txBody>
       </p:sp>
@@ -13247,7 +13291,7 @@
           <a:bodyPr/>
           <a:lstStyle/>
           <a:p>
-            <a:endParaRPr lang="en-US"/>
+            <a:endParaRPr lang="en-US" dirty="0"/>
           </a:p>
         </p:txBody>
       </p:sp>
@@ -13271,27 +13315,27 @@
               <a:pPr/>
               <a:t>‹#›</a:t>
             </a:fld>
-            <a:endParaRPr lang="en-US"/>
+            <a:endParaRPr lang="en-US" dirty="0"/>
           </a:p>
         </p:txBody>
       </p:sp>
     </p:spTree>
     <p:extLst>
       <p:ext uri="{BB962C8B-B14F-4D97-AF65-F5344CB8AC3E}">
-        <p14:creationId xmlns:p14="http://schemas.microsoft.com/office/powerpoint/2010/main" val="2914570277"/>
+        <p14:creationId xmlns:p14="http://schemas.microsoft.com/office/powerpoint/2010/main" xmlns="" val="2914570277"/>
       </p:ext>
     </p:extLst>
   </p:cSld>
   <p:clrMapOvr>
     <a:masterClrMapping/>
   </p:clrMapOvr>
-  <mc:AlternateContent xmlns:mc="http://schemas.openxmlformats.org/markup-compatibility/2006" xmlns:p14="http://schemas.microsoft.com/office/powerpoint/2010/main">
-    <mc:Choice Requires="p14">
+  <mc:AlternateContent xmlns:mc="http://schemas.openxmlformats.org/markup-compatibility/2006">
+    <mc:Choice xmlns:p14="http://schemas.microsoft.com/office/powerpoint/2010/main" xmlns="" Requires="p14">
       <p:transition spd="med" p14:dur="700">
         <p:fade/>
       </p:transition>
     </mc:Choice>
-    <mc:Fallback xmlns="">
+    <mc:Fallback>
       <p:transition spd="med">
         <p:fade/>
       </p:transition>
@@ -13335,7 +13379,7 @@
             <a:alphaModFix amt="30000"/>
             <a:extLst>
               <a:ext uri="{28A0092B-C50C-407E-A947-70E740481C1C}">
-                <a14:useLocalDpi xmlns:a14="http://schemas.microsoft.com/office/drawing/2010/main" val="0"/>
+                <a14:useLocalDpi xmlns:a14="http://schemas.microsoft.com/office/drawing/2010/main" xmlns="" val="0"/>
               </a:ext>
             </a:extLst>
           </a:blip>
@@ -13355,7 +13399,7 @@
           <a:noFill/>
           <a:extLst>
             <a:ext uri="{909E8E84-426E-40dd-AFC4-6F175D3DCCD1}">
-              <a14:hiddenFill xmlns="" xmlns:a14="http://schemas.microsoft.com/office/drawing/2010/main">
+              <a14:hiddenFill xmlns:a14="http://schemas.microsoft.com/office/drawing/2010/main" xmlns="">
                 <a:solidFill>
                   <a:srgbClr val="FFFFFF"/>
                 </a:solidFill>
@@ -13429,7 +13473,7 @@
               </a:ln>
               <a:extLst>
                 <a:ext uri="{91240B29-F687-4f45-9708-019B960494DF}">
-                  <a14:hiddenLine xmlns="" xmlns:a14="http://schemas.microsoft.com/office/drawing/2010/main" w="9525">
+                  <a14:hiddenLine xmlns:a14="http://schemas.microsoft.com/office/drawing/2010/main" xmlns="" w="9525">
                     <a:solidFill>
                       <a:srgbClr val="000000"/>
                     </a:solidFill>
@@ -13519,7 +13563,7 @@
               </a:ln>
               <a:extLst>
                 <a:ext uri="{91240B29-F687-4f45-9708-019B960494DF}">
-                  <a14:hiddenLine xmlns="" xmlns:a14="http://schemas.microsoft.com/office/drawing/2010/main" w="9525">
+                  <a14:hiddenLine xmlns:a14="http://schemas.microsoft.com/office/drawing/2010/main" xmlns="" w="9525">
                     <a:solidFill>
                       <a:srgbClr val="000000"/>
                     </a:solidFill>
@@ -13609,7 +13653,7 @@
               </a:ln>
               <a:extLst>
                 <a:ext uri="{91240B29-F687-4f45-9708-019B960494DF}">
-                  <a14:hiddenLine xmlns="" xmlns:a14="http://schemas.microsoft.com/office/drawing/2010/main" w="9525">
+                  <a14:hiddenLine xmlns:a14="http://schemas.microsoft.com/office/drawing/2010/main" xmlns="" w="9525">
                     <a:solidFill>
                       <a:srgbClr val="000000"/>
                     </a:solidFill>
@@ -13671,7 +13715,7 @@
               </a:ln>
               <a:extLst>
                 <a:ext uri="{91240B29-F687-4f45-9708-019B960494DF}">
-                  <a14:hiddenLine xmlns="" xmlns:a14="http://schemas.microsoft.com/office/drawing/2010/main" w="9525">
+                  <a14:hiddenLine xmlns:a14="http://schemas.microsoft.com/office/drawing/2010/main" xmlns="" w="9525">
                     <a:solidFill>
                       <a:srgbClr val="000000"/>
                     </a:solidFill>
@@ -13761,7 +13805,7 @@
               </a:ln>
               <a:extLst>
                 <a:ext uri="{91240B29-F687-4f45-9708-019B960494DF}">
-                  <a14:hiddenLine xmlns="" xmlns:a14="http://schemas.microsoft.com/office/drawing/2010/main" w="9525">
+                  <a14:hiddenLine xmlns:a14="http://schemas.microsoft.com/office/drawing/2010/main" xmlns="" w="9525">
                     <a:solidFill>
                       <a:srgbClr val="000000"/>
                     </a:solidFill>
@@ -13823,7 +13867,7 @@
               </a:ln>
               <a:extLst>
                 <a:ext uri="{91240B29-F687-4f45-9708-019B960494DF}">
-                  <a14:hiddenLine xmlns="" xmlns:a14="http://schemas.microsoft.com/office/drawing/2010/main" w="9525">
+                  <a14:hiddenLine xmlns:a14="http://schemas.microsoft.com/office/drawing/2010/main" xmlns="" w="9525">
                     <a:solidFill>
                       <a:srgbClr val="000000"/>
                     </a:solidFill>
@@ -13885,7 +13929,7 @@
               </a:ln>
               <a:extLst>
                 <a:ext uri="{91240B29-F687-4f45-9708-019B960494DF}">
-                  <a14:hiddenLine xmlns="" xmlns:a14="http://schemas.microsoft.com/office/drawing/2010/main" w="9525">
+                  <a14:hiddenLine xmlns:a14="http://schemas.microsoft.com/office/drawing/2010/main" xmlns="" w="9525">
                     <a:solidFill>
                       <a:srgbClr val="000000"/>
                     </a:solidFill>
@@ -13975,7 +14019,7 @@
               </a:ln>
               <a:extLst>
                 <a:ext uri="{91240B29-F687-4f45-9708-019B960494DF}">
-                  <a14:hiddenLine xmlns="" xmlns:a14="http://schemas.microsoft.com/office/drawing/2010/main" w="9525">
+                  <a14:hiddenLine xmlns:a14="http://schemas.microsoft.com/office/drawing/2010/main" xmlns="" w="9525">
                     <a:solidFill>
                       <a:srgbClr val="000000"/>
                     </a:solidFill>
@@ -14065,7 +14109,7 @@
               </a:ln>
               <a:extLst>
                 <a:ext uri="{91240B29-F687-4f45-9708-019B960494DF}">
-                  <a14:hiddenLine xmlns="" xmlns:a14="http://schemas.microsoft.com/office/drawing/2010/main" w="9525">
+                  <a14:hiddenLine xmlns:a14="http://schemas.microsoft.com/office/drawing/2010/main" xmlns="" w="9525">
                     <a:solidFill>
                       <a:srgbClr val="000000"/>
                     </a:solidFill>
@@ -14127,7 +14171,7 @@
               </a:ln>
               <a:extLst>
                 <a:ext uri="{91240B29-F687-4f45-9708-019B960494DF}">
-                  <a14:hiddenLine xmlns="" xmlns:a14="http://schemas.microsoft.com/office/drawing/2010/main" w="9525">
+                  <a14:hiddenLine xmlns:a14="http://schemas.microsoft.com/office/drawing/2010/main" xmlns="" w="9525">
                     <a:solidFill>
                       <a:srgbClr val="000000"/>
                     </a:solidFill>
@@ -14237,7 +14281,7 @@
               </a:ln>
               <a:extLst>
                 <a:ext uri="{91240B29-F687-4f45-9708-019B960494DF}">
-                  <a14:hiddenLine xmlns="" xmlns:a14="http://schemas.microsoft.com/office/drawing/2010/main" w="9525">
+                  <a14:hiddenLine xmlns:a14="http://schemas.microsoft.com/office/drawing/2010/main" xmlns="" w="9525">
                     <a:solidFill>
                       <a:srgbClr val="000000"/>
                     </a:solidFill>
@@ -14321,7 +14365,7 @@
               </a:ln>
               <a:extLst>
                 <a:ext uri="{91240B29-F687-4f45-9708-019B960494DF}">
-                  <a14:hiddenLine xmlns="" xmlns:a14="http://schemas.microsoft.com/office/drawing/2010/main" w="9525">
+                  <a14:hiddenLine xmlns:a14="http://schemas.microsoft.com/office/drawing/2010/main" xmlns="" w="9525">
                     <a:solidFill>
                       <a:srgbClr val="000000"/>
                     </a:solidFill>
@@ -14383,7 +14427,7 @@
               </a:ln>
               <a:extLst>
                 <a:ext uri="{91240B29-F687-4f45-9708-019B960494DF}">
-                  <a14:hiddenLine xmlns="" xmlns:a14="http://schemas.microsoft.com/office/drawing/2010/main" w="9525">
+                  <a14:hiddenLine xmlns:a14="http://schemas.microsoft.com/office/drawing/2010/main" xmlns="" w="9525">
                     <a:solidFill>
                       <a:srgbClr val="000000"/>
                     </a:solidFill>
@@ -14445,7 +14489,7 @@
               </a:ln>
               <a:extLst>
                 <a:ext uri="{91240B29-F687-4f45-9708-019B960494DF}">
-                  <a14:hiddenLine xmlns="" xmlns:a14="http://schemas.microsoft.com/office/drawing/2010/main" w="9525">
+                  <a14:hiddenLine xmlns:a14="http://schemas.microsoft.com/office/drawing/2010/main" xmlns="" w="9525">
                     <a:solidFill>
                       <a:srgbClr val="000000"/>
                     </a:solidFill>
@@ -14535,7 +14579,7 @@
               </a:ln>
               <a:extLst>
                 <a:ext uri="{91240B29-F687-4f45-9708-019B960494DF}">
-                  <a14:hiddenLine xmlns="" xmlns:a14="http://schemas.microsoft.com/office/drawing/2010/main" w="9525">
+                  <a14:hiddenLine xmlns:a14="http://schemas.microsoft.com/office/drawing/2010/main" xmlns="" w="9525">
                     <a:solidFill>
                       <a:srgbClr val="000000"/>
                     </a:solidFill>
@@ -14569,7 +14613,7 @@
               </a:ln>
               <a:extLst>
                 <a:ext uri="{91240B29-F687-4f45-9708-019B960494DF}">
-                  <a14:hiddenLine xmlns="" xmlns:a14="http://schemas.microsoft.com/office/drawing/2010/main" w="9525">
+                  <a14:hiddenLine xmlns:a14="http://schemas.microsoft.com/office/drawing/2010/main" xmlns="" w="9525">
                     <a:solidFill>
                       <a:srgbClr val="000000"/>
                     </a:solidFill>
@@ -14634,7 +14678,7 @@
               </a:ln>
               <a:extLst>
                 <a:ext uri="{91240B29-F687-4f45-9708-019B960494DF}">
-                  <a14:hiddenLine xmlns="" xmlns:a14="http://schemas.microsoft.com/office/drawing/2010/main" w="9525">
+                  <a14:hiddenLine xmlns:a14="http://schemas.microsoft.com/office/drawing/2010/main" xmlns="" w="9525">
                     <a:solidFill>
                       <a:srgbClr val="000000"/>
                     </a:solidFill>
@@ -14724,7 +14768,7 @@
               </a:ln>
               <a:extLst>
                 <a:ext uri="{91240B29-F687-4f45-9708-019B960494DF}">
-                  <a14:hiddenLine xmlns="" xmlns:a14="http://schemas.microsoft.com/office/drawing/2010/main" w="9525">
+                  <a14:hiddenLine xmlns:a14="http://schemas.microsoft.com/office/drawing/2010/main" xmlns="" w="9525">
                     <a:solidFill>
                       <a:srgbClr val="000000"/>
                     </a:solidFill>
@@ -14786,7 +14830,7 @@
               </a:ln>
               <a:extLst>
                 <a:ext uri="{91240B29-F687-4f45-9708-019B960494DF}">
-                  <a14:hiddenLine xmlns="" xmlns:a14="http://schemas.microsoft.com/office/drawing/2010/main" w="9525">
+                  <a14:hiddenLine xmlns:a14="http://schemas.microsoft.com/office/drawing/2010/main" xmlns="" w="9525">
                     <a:solidFill>
                       <a:srgbClr val="000000"/>
                     </a:solidFill>
@@ -14876,7 +14920,7 @@
               </a:ln>
               <a:extLst>
                 <a:ext uri="{91240B29-F687-4f45-9708-019B960494DF}">
-                  <a14:hiddenLine xmlns="" xmlns:a14="http://schemas.microsoft.com/office/drawing/2010/main" w="9525">
+                  <a14:hiddenLine xmlns:a14="http://schemas.microsoft.com/office/drawing/2010/main" xmlns="" w="9525">
                     <a:solidFill>
                       <a:srgbClr val="000000"/>
                     </a:solidFill>
@@ -14941,7 +14985,7 @@
               </a:ln>
               <a:extLst>
                 <a:ext uri="{91240B29-F687-4f45-9708-019B960494DF}">
-                  <a14:hiddenLine xmlns="" xmlns:a14="http://schemas.microsoft.com/office/drawing/2010/main" w="9525">
+                  <a14:hiddenLine xmlns:a14="http://schemas.microsoft.com/office/drawing/2010/main" xmlns="" w="9525">
                     <a:solidFill>
                       <a:srgbClr val="000000"/>
                     </a:solidFill>
@@ -15003,7 +15047,7 @@
               </a:ln>
               <a:extLst>
                 <a:ext uri="{91240B29-F687-4f45-9708-019B960494DF}">
-                  <a14:hiddenLine xmlns="" xmlns:a14="http://schemas.microsoft.com/office/drawing/2010/main" w="9525">
+                  <a14:hiddenLine xmlns:a14="http://schemas.microsoft.com/office/drawing/2010/main" xmlns="" w="9525">
                     <a:solidFill>
                       <a:srgbClr val="000000"/>
                     </a:solidFill>
@@ -15093,7 +15137,7 @@
               </a:ln>
               <a:extLst>
                 <a:ext uri="{91240B29-F687-4f45-9708-019B960494DF}">
-                  <a14:hiddenLine xmlns="" xmlns:a14="http://schemas.microsoft.com/office/drawing/2010/main" w="9525">
+                  <a14:hiddenLine xmlns:a14="http://schemas.microsoft.com/office/drawing/2010/main" xmlns="" w="9525">
                     <a:solidFill>
                       <a:srgbClr val="000000"/>
                     </a:solidFill>
@@ -15183,7 +15227,7 @@
               </a:ln>
               <a:extLst>
                 <a:ext uri="{91240B29-F687-4f45-9708-019B960494DF}">
-                  <a14:hiddenLine xmlns="" xmlns:a14="http://schemas.microsoft.com/office/drawing/2010/main" w="9525">
+                  <a14:hiddenLine xmlns:a14="http://schemas.microsoft.com/office/drawing/2010/main" xmlns="" w="9525">
                     <a:solidFill>
                       <a:srgbClr val="000000"/>
                     </a:solidFill>
@@ -15248,7 +15292,7 @@
               </a:ln>
               <a:extLst>
                 <a:ext uri="{91240B29-F687-4f45-9708-019B960494DF}">
-                  <a14:hiddenLine xmlns="" xmlns:a14="http://schemas.microsoft.com/office/drawing/2010/main" w="9525">
+                  <a14:hiddenLine xmlns:a14="http://schemas.microsoft.com/office/drawing/2010/main" xmlns="" w="9525">
                     <a:solidFill>
                       <a:srgbClr val="000000"/>
                     </a:solidFill>
@@ -15368,7 +15412,7 @@
               </a:ln>
               <a:extLst>
                 <a:ext uri="{91240B29-F687-4f45-9708-019B960494DF}">
-                  <a14:hiddenLine xmlns="" xmlns:a14="http://schemas.microsoft.com/office/drawing/2010/main" w="9525">
+                  <a14:hiddenLine xmlns:a14="http://schemas.microsoft.com/office/drawing/2010/main" xmlns="" w="9525">
                     <a:solidFill>
                       <a:srgbClr val="000000"/>
                     </a:solidFill>
@@ -15466,7 +15510,7 @@
               </a:ln>
               <a:extLst>
                 <a:ext uri="{91240B29-F687-4f45-9708-019B960494DF}">
-                  <a14:hiddenLine xmlns="" xmlns:a14="http://schemas.microsoft.com/office/drawing/2010/main" w="9525">
+                  <a14:hiddenLine xmlns:a14="http://schemas.microsoft.com/office/drawing/2010/main" xmlns="" w="9525">
                     <a:solidFill>
                       <a:srgbClr val="000000"/>
                     </a:solidFill>
@@ -15581,7 +15625,7 @@
               </a:ln>
               <a:extLst>
                 <a:ext uri="{91240B29-F687-4f45-9708-019B960494DF}">
-                  <a14:hiddenLine xmlns="" xmlns:a14="http://schemas.microsoft.com/office/drawing/2010/main" w="9525">
+                  <a14:hiddenLine xmlns:a14="http://schemas.microsoft.com/office/drawing/2010/main" xmlns="" w="9525">
                     <a:solidFill>
                       <a:srgbClr val="000000"/>
                     </a:solidFill>
@@ -15671,7 +15715,7 @@
               </a:ln>
               <a:extLst>
                 <a:ext uri="{91240B29-F687-4f45-9708-019B960494DF}">
-                  <a14:hiddenLine xmlns="" xmlns:a14="http://schemas.microsoft.com/office/drawing/2010/main" w="9525">
+                  <a14:hiddenLine xmlns:a14="http://schemas.microsoft.com/office/drawing/2010/main" xmlns="" w="9525">
                     <a:solidFill>
                       <a:srgbClr val="000000"/>
                     </a:solidFill>
@@ -15736,7 +15780,7 @@
               </a:ln>
               <a:extLst>
                 <a:ext uri="{91240B29-F687-4f45-9708-019B960494DF}">
-                  <a14:hiddenLine xmlns="" xmlns:a14="http://schemas.microsoft.com/office/drawing/2010/main" w="9525">
+                  <a14:hiddenLine xmlns:a14="http://schemas.microsoft.com/office/drawing/2010/main" xmlns="" w="9525">
                     <a:solidFill>
                       <a:srgbClr val="000000"/>
                     </a:solidFill>
@@ -15826,7 +15870,7 @@
               </a:ln>
               <a:extLst>
                 <a:ext uri="{91240B29-F687-4f45-9708-019B960494DF}">
-                  <a14:hiddenLine xmlns="" xmlns:a14="http://schemas.microsoft.com/office/drawing/2010/main" w="9525">
+                  <a14:hiddenLine xmlns:a14="http://schemas.microsoft.com/office/drawing/2010/main" xmlns="" w="9525">
                     <a:solidFill>
                       <a:srgbClr val="000000"/>
                     </a:solidFill>
@@ -15894,7 +15938,7 @@
               </a:ln>
               <a:extLst>
                 <a:ext uri="{91240B29-F687-4f45-9708-019B960494DF}">
-                  <a14:hiddenLine xmlns="" xmlns:a14="http://schemas.microsoft.com/office/drawing/2010/main" w="9525">
+                  <a14:hiddenLine xmlns:a14="http://schemas.microsoft.com/office/drawing/2010/main" xmlns="" w="9525">
                     <a:solidFill>
                       <a:srgbClr val="000000"/>
                     </a:solidFill>
@@ -15984,7 +16028,7 @@
               </a:ln>
               <a:extLst>
                 <a:ext uri="{91240B29-F687-4f45-9708-019B960494DF}">
-                  <a14:hiddenLine xmlns="" xmlns:a14="http://schemas.microsoft.com/office/drawing/2010/main" w="9525">
+                  <a14:hiddenLine xmlns:a14="http://schemas.microsoft.com/office/drawing/2010/main" xmlns="" w="9525">
                     <a:solidFill>
                       <a:srgbClr val="000000"/>
                     </a:solidFill>
@@ -16052,7 +16096,7 @@
               </a:ln>
               <a:extLst>
                 <a:ext uri="{91240B29-F687-4f45-9708-019B960494DF}">
-                  <a14:hiddenLine xmlns="" xmlns:a14="http://schemas.microsoft.com/office/drawing/2010/main" w="9525">
+                  <a14:hiddenLine xmlns:a14="http://schemas.microsoft.com/office/drawing/2010/main" xmlns="" w="9525">
                     <a:solidFill>
                       <a:srgbClr val="000000"/>
                     </a:solidFill>
@@ -16142,7 +16186,7 @@
               </a:ln>
               <a:extLst>
                 <a:ext uri="{91240B29-F687-4f45-9708-019B960494DF}">
-                  <a14:hiddenLine xmlns="" xmlns:a14="http://schemas.microsoft.com/office/drawing/2010/main" w="9525">
+                  <a14:hiddenLine xmlns:a14="http://schemas.microsoft.com/office/drawing/2010/main" xmlns="" w="9525">
                     <a:solidFill>
                       <a:srgbClr val="000000"/>
                     </a:solidFill>
@@ -16176,7 +16220,7 @@
               </a:ln>
               <a:extLst>
                 <a:ext uri="{91240B29-F687-4f45-9708-019B960494DF}">
-                  <a14:hiddenLine xmlns="" xmlns:a14="http://schemas.microsoft.com/office/drawing/2010/main" w="9525">
+                  <a14:hiddenLine xmlns:a14="http://schemas.microsoft.com/office/drawing/2010/main" xmlns="" w="9525">
                     <a:solidFill>
                       <a:srgbClr val="000000"/>
                     </a:solidFill>
@@ -16317,9 +16361,9 @@
             <a:fld id="{881DC1F7-A9E9-4D8B-8C97-C74523B2CF2A}" type="datetimeFigureOut">
               <a:rPr lang="en-US" smtClean="0"/>
               <a:pPr/>
-              <a:t>7/23/2023</a:t>
+              <a:t>3/27/2025</a:t>
             </a:fld>
-            <a:endParaRPr lang="en-US"/>
+            <a:endParaRPr lang="en-US" dirty="0"/>
           </a:p>
         </p:txBody>
       </p:sp>
@@ -16356,7 +16400,7 @@
             </a:lvl1pPr>
           </a:lstStyle>
           <a:p>
-            <a:endParaRPr lang="en-IN"/>
+            <a:endParaRPr lang="en-IN" dirty="0"/>
           </a:p>
         </p:txBody>
       </p:sp>
@@ -16398,14 +16442,14 @@
               <a:pPr/>
               <a:t>‹#›</a:t>
             </a:fld>
-            <a:endParaRPr lang="en-IN"/>
+            <a:endParaRPr lang="en-IN" dirty="0"/>
           </a:p>
         </p:txBody>
       </p:sp>
     </p:spTree>
     <p:extLst>
       <p:ext uri="{BB962C8B-B14F-4D97-AF65-F5344CB8AC3E}">
-        <p14:creationId xmlns:p14="http://schemas.microsoft.com/office/powerpoint/2010/main" val="2149527744"/>
+        <p14:creationId xmlns:p14="http://schemas.microsoft.com/office/powerpoint/2010/main" xmlns="" val="2149527744"/>
       </p:ext>
     </p:extLst>
   </p:cSld>
@@ -16429,13 +16473,13 @@
     <p:sldLayoutId id="2147483909" r:id="rId16"/>
     <p:sldLayoutId id="2147483910" r:id="rId17"/>
   </p:sldLayoutIdLst>
-  <mc:AlternateContent xmlns:mc="http://schemas.openxmlformats.org/markup-compatibility/2006" xmlns:p14="http://schemas.microsoft.com/office/powerpoint/2010/main">
-    <mc:Choice Requires="p14">
+  <mc:AlternateContent xmlns:mc="http://schemas.openxmlformats.org/markup-compatibility/2006">
+    <mc:Choice xmlns:p14="http://schemas.microsoft.com/office/powerpoint/2010/main" xmlns="" Requires="p14">
       <p:transition spd="med" p14:dur="700">
         <p:fade/>
       </p:transition>
     </mc:Choice>
-    <mc:Fallback xmlns="">
+    <mc:Fallback>
       <p:transition spd="med">
         <p:fade/>
       </p:transition>
@@ -16755,7 +16799,7 @@
           <p:cNvPr id="11" name="Title 1">
             <a:extLst>
               <a:ext uri="{FF2B5EF4-FFF2-40B4-BE49-F238E27FC236}">
-                <a16:creationId xmlns:a16="http://schemas.microsoft.com/office/drawing/2014/main" id="{B176C99C-6F81-7B8A-5E25-20219EA27A91}"/>
+                <a16:creationId xmlns:a16="http://schemas.microsoft.com/office/drawing/2014/main" xmlns="" id="{B176C99C-6F81-7B8A-5E25-20219EA27A91}"/>
               </a:ext>
             </a:extLst>
           </p:cNvPr>
@@ -16820,7 +16864,7 @@
           <p:cNvPr id="2" name="Title 1">
             <a:extLst>
               <a:ext uri="{FF2B5EF4-FFF2-40B4-BE49-F238E27FC236}">
-                <a16:creationId xmlns:a16="http://schemas.microsoft.com/office/drawing/2014/main" id="{3AA511BD-06E5-9404-348E-D9335E059807}"/>
+                <a16:creationId xmlns:a16="http://schemas.microsoft.com/office/drawing/2014/main" xmlns="" id="{3AA511BD-06E5-9404-348E-D9335E059807}"/>
               </a:ext>
             </a:extLst>
           </p:cNvPr>
@@ -16936,7 +16980,7 @@
           <p:cNvPr id="3" name="TextBox 2">
             <a:extLst>
               <a:ext uri="{FF2B5EF4-FFF2-40B4-BE49-F238E27FC236}">
-                <a16:creationId xmlns:a16="http://schemas.microsoft.com/office/drawing/2014/main" id="{AB21AEC0-0415-1C22-4CD3-0EF0AB37CF83}"/>
+                <a16:creationId xmlns:a16="http://schemas.microsoft.com/office/drawing/2014/main" xmlns="" id="{AB21AEC0-0415-1C22-4CD3-0EF0AB37CF83}"/>
               </a:ext>
             </a:extLst>
           </p:cNvPr>
@@ -16966,7 +17010,34 @@
                 </a:solidFill>
                 <a:latin typeface="+mj-lt"/>
               </a:rPr>
-              <a:t>By Indian Bittu</a:t>
+              <a:t>By </a:t>
+            </a:r>
+            <a:r>
+              <a:rPr lang="en-US" sz="2000" dirty="0" smtClean="0">
+                <a:solidFill>
+                  <a:schemeClr val="bg1"/>
+                </a:solidFill>
+                <a:latin typeface="+mj-lt"/>
+              </a:rPr>
+              <a:t>Ankit</a:t>
+            </a:r>
+            <a:r>
+              <a:rPr lang="en-US" sz="2000" dirty="0" smtClean="0">
+                <a:solidFill>
+                  <a:schemeClr val="bg1"/>
+                </a:solidFill>
+                <a:latin typeface="+mj-lt"/>
+              </a:rPr>
+              <a:t> </a:t>
+            </a:r>
+            <a:r>
+              <a:rPr lang="en-US" sz="2000" dirty="0" smtClean="0">
+                <a:solidFill>
+                  <a:schemeClr val="bg1"/>
+                </a:solidFill>
+                <a:latin typeface="+mj-lt"/>
+              </a:rPr>
+              <a:t>kumar</a:t>
             </a:r>
             <a:endParaRPr lang="en-IN" sz="2000" dirty="0">
               <a:solidFill>
@@ -16982,13 +17053,13 @@
   <p:clrMapOvr>
     <a:masterClrMapping/>
   </p:clrMapOvr>
-  <mc:AlternateContent xmlns:mc="http://schemas.openxmlformats.org/markup-compatibility/2006" xmlns:p14="http://schemas.microsoft.com/office/powerpoint/2010/main">
-    <mc:Choice Requires="p14">
+  <mc:AlternateContent xmlns:mc="http://schemas.openxmlformats.org/markup-compatibility/2006">
+    <mc:Choice xmlns:p14="http://schemas.microsoft.com/office/powerpoint/2010/main" xmlns="" Requires="p14">
       <p:transition spd="med" p14:dur="700">
         <p:fade/>
       </p:transition>
     </mc:Choice>
-    <mc:Fallback xmlns="">
+    <mc:Fallback>
       <p:transition spd="med">
         <p:fade/>
       </p:transition>
@@ -17071,7 +17142,7 @@
         </p:spPr>
         <p:txBody>
           <a:bodyPr>
-            <a:normAutofit fontScale="92500" lnSpcReduction="10000"/>
+            <a:normAutofit fontScale="92500" lnSpcReduction="20000"/>
           </a:bodyPr>
           <a:lstStyle/>
           <a:p>
@@ -17140,7 +17211,7 @@
               <a:t>You can generate a URL that showcases all your products and share it with others. They can view and select any product, which will redirect them to the affiliate link </a:t>
             </a:r>
             <a:r>
-              <a:rPr lang="en-US" b="0" i="0" dirty="0" err="1">
+              <a:rPr lang="en-US" b="0" i="0" dirty="0">
                 <a:solidFill>
                   <a:schemeClr val="bg2">
                     <a:lumMod val="50000"/>
@@ -17203,13 +17274,13 @@
   <p:clrMapOvr>
     <a:masterClrMapping/>
   </p:clrMapOvr>
-  <mc:AlternateContent xmlns:mc="http://schemas.openxmlformats.org/markup-compatibility/2006" xmlns:p14="http://schemas.microsoft.com/office/powerpoint/2010/main">
-    <mc:Choice Requires="p14">
+  <mc:AlternateContent xmlns:mc="http://schemas.openxmlformats.org/markup-compatibility/2006">
+    <mc:Choice xmlns:p14="http://schemas.microsoft.com/office/powerpoint/2010/main" xmlns="" Requires="p14">
       <p:transition spd="med" p14:dur="700">
         <p:fade/>
       </p:transition>
     </mc:Choice>
-    <mc:Fallback xmlns="">
+    <mc:Fallback>
       <p:transition spd="med">
         <p:fade/>
       </p:transition>
@@ -17280,7 +17351,7 @@
             <p:ph sz="half" idx="1"/>
             <p:extLst>
               <p:ext uri="{D42A27DB-BD31-4B8C-83A1-F6EECF244321}">
-                <p14:modId xmlns:p14="http://schemas.microsoft.com/office/powerpoint/2010/main" val="2899388365"/>
+                <p14:modId xmlns:p14="http://schemas.microsoft.com/office/powerpoint/2010/main" xmlns="" val="2899388365"/>
               </p:ext>
             </p:extLst>
           </p:nvPr>
@@ -17454,29 +17525,8 @@
                 <a:latin typeface="Times New Roman" panose="02020603050405020304" pitchFamily="18" charset="0"/>
                 <a:cs typeface="Times New Roman" panose="02020603050405020304" pitchFamily="18" charset="0"/>
               </a:rPr>
-              <a:t>HTML, CSS, JS</a:t>
+              <a:t>HTML, CSS, JS, Bootstrap(3.3.6)</a:t>
             </a:r>
-            <a:r>
-              <a:rPr lang="en-US" sz="2400">
-                <a:solidFill>
-                  <a:schemeClr val="bg2">
-                    <a:lumMod val="50000"/>
-                  </a:schemeClr>
-                </a:solidFill>
-                <a:latin typeface="Times New Roman" panose="02020603050405020304" pitchFamily="18" charset="0"/>
-                <a:cs typeface="Times New Roman" panose="02020603050405020304" pitchFamily="18" charset="0"/>
-              </a:rPr>
-              <a:t>, Bootstrap(3.3.6)</a:t>
-            </a:r>
-            <a:endParaRPr lang="en-US" sz="2400" dirty="0">
-              <a:solidFill>
-                <a:schemeClr val="bg2">
-                  <a:lumMod val="50000"/>
-                </a:schemeClr>
-              </a:solidFill>
-              <a:latin typeface="Times New Roman" panose="02020603050405020304" pitchFamily="18" charset="0"/>
-              <a:cs typeface="Times New Roman" panose="02020603050405020304" pitchFamily="18" charset="0"/>
-            </a:endParaRPr>
           </a:p>
           <a:p>
             <a:pPr marL="0" indent="0" algn="just">
@@ -17558,13 +17608,13 @@
   <p:clrMapOvr>
     <a:masterClrMapping/>
   </p:clrMapOvr>
-  <mc:AlternateContent xmlns:mc="http://schemas.openxmlformats.org/markup-compatibility/2006" xmlns:p14="http://schemas.microsoft.com/office/powerpoint/2010/main">
-    <mc:Choice Requires="p14">
+  <mc:AlternateContent xmlns:mc="http://schemas.openxmlformats.org/markup-compatibility/2006">
+    <mc:Choice xmlns:p14="http://schemas.microsoft.com/office/powerpoint/2010/main" xmlns="" Requires="p14">
       <p:transition spd="med" p14:dur="700">
         <p:fade/>
       </p:transition>
     </mc:Choice>
-    <mc:Fallback xmlns="">
+    <mc:Fallback>
       <p:transition spd="med">
         <p:fade/>
       </p:transition>
@@ -17637,7 +17687,7 @@
           <p:cNvPr id="3" name="Table 3">
             <a:extLst>
               <a:ext uri="{FF2B5EF4-FFF2-40B4-BE49-F238E27FC236}">
-                <a16:creationId xmlns:a16="http://schemas.microsoft.com/office/drawing/2014/main" id="{7A8DD922-A3E6-5D9E-6190-1A88D3E4431E}"/>
+                <a16:creationId xmlns:a16="http://schemas.microsoft.com/office/drawing/2014/main" xmlns="" id="{7A8DD922-A3E6-5D9E-6190-1A88D3E4431E}"/>
               </a:ext>
             </a:extLst>
           </p:cNvPr>
@@ -17647,7 +17697,7 @@
           <p:nvPr>
             <p:extLst>
               <p:ext uri="{D42A27DB-BD31-4B8C-83A1-F6EECF244321}">
-                <p14:modId xmlns:p14="http://schemas.microsoft.com/office/powerpoint/2010/main" val="2722401531"/>
+                <p14:modId xmlns:p14="http://schemas.microsoft.com/office/powerpoint/2010/main" xmlns="" val="2722401531"/>
               </p:ext>
             </p:extLst>
           </p:nvPr>
@@ -17666,21 +17716,21 @@
                 <a:gridCol w="3456384">
                   <a:extLst>
                     <a:ext uri="{9D8B030D-6E8A-4147-A177-3AD203B41FA5}">
-                      <a16:colId xmlns:a16="http://schemas.microsoft.com/office/drawing/2014/main" val="1706370139"/>
+                      <a16:colId xmlns:a16="http://schemas.microsoft.com/office/drawing/2014/main" xmlns="" val="1706370139"/>
                     </a:ext>
                   </a:extLst>
                 </a:gridCol>
                 <a:gridCol w="3456384">
                   <a:extLst>
                     <a:ext uri="{9D8B030D-6E8A-4147-A177-3AD203B41FA5}">
-                      <a16:colId xmlns:a16="http://schemas.microsoft.com/office/drawing/2014/main" val="4007572087"/>
+                      <a16:colId xmlns:a16="http://schemas.microsoft.com/office/drawing/2014/main" xmlns="" val="4007572087"/>
                     </a:ext>
                   </a:extLst>
                 </a:gridCol>
                 <a:gridCol w="3456384">
                   <a:extLst>
                     <a:ext uri="{9D8B030D-6E8A-4147-A177-3AD203B41FA5}">
-                      <a16:colId xmlns:a16="http://schemas.microsoft.com/office/drawing/2014/main" val="2344481993"/>
+                      <a16:colId xmlns:a16="http://schemas.microsoft.com/office/drawing/2014/main" xmlns="" val="2344481993"/>
                     </a:ext>
                   </a:extLst>
                 </a:gridCol>
@@ -17736,7 +17786,7 @@
                 </a:tc>
                 <a:extLst>
                   <a:ext uri="{0D108BD9-81ED-4DB2-BD59-A6C34878D82A}">
-                    <a16:rowId xmlns:a16="http://schemas.microsoft.com/office/drawing/2014/main" val="3005130164"/>
+                    <a16:rowId xmlns:a16="http://schemas.microsoft.com/office/drawing/2014/main" xmlns="" val="3005130164"/>
                   </a:ext>
                 </a:extLst>
               </a:tr>
@@ -17811,7 +17861,7 @@
                 </a:tc>
                 <a:extLst>
                   <a:ext uri="{0D108BD9-81ED-4DB2-BD59-A6C34878D82A}">
-                    <a16:rowId xmlns:a16="http://schemas.microsoft.com/office/drawing/2014/main" val="3257595467"/>
+                    <a16:rowId xmlns:a16="http://schemas.microsoft.com/office/drawing/2014/main" xmlns="" val="3257595467"/>
                   </a:ext>
                 </a:extLst>
               </a:tr>
@@ -17874,7 +17924,7 @@
                 </a:tc>
                 <a:extLst>
                   <a:ext uri="{0D108BD9-81ED-4DB2-BD59-A6C34878D82A}">
-                    <a16:rowId xmlns:a16="http://schemas.microsoft.com/office/drawing/2014/main" val="618069050"/>
+                    <a16:rowId xmlns:a16="http://schemas.microsoft.com/office/drawing/2014/main" xmlns="" val="618069050"/>
                   </a:ext>
                 </a:extLst>
               </a:tr>
@@ -17921,7 +17971,7 @@
                 </a:tc>
                 <a:extLst>
                   <a:ext uri="{0D108BD9-81ED-4DB2-BD59-A6C34878D82A}">
-                    <a16:rowId xmlns:a16="http://schemas.microsoft.com/office/drawing/2014/main" val="781040532"/>
+                    <a16:rowId xmlns:a16="http://schemas.microsoft.com/office/drawing/2014/main" xmlns="" val="781040532"/>
                   </a:ext>
                 </a:extLst>
               </a:tr>
@@ -17934,7 +17984,7 @@
           <p:cNvPr id="5" name="Rectangle 4">
             <a:extLst>
               <a:ext uri="{FF2B5EF4-FFF2-40B4-BE49-F238E27FC236}">
-                <a16:creationId xmlns:a16="http://schemas.microsoft.com/office/drawing/2014/main" id="{B65AC545-4BF3-FD0C-0C83-5CC2106D7244}"/>
+                <a16:creationId xmlns:a16="http://schemas.microsoft.com/office/drawing/2014/main" xmlns="" id="{B65AC545-4BF3-FD0C-0C83-5CC2106D7244}"/>
               </a:ext>
             </a:extLst>
           </p:cNvPr>
@@ -17982,7 +18032,7 @@
           <p:cNvPr id="6" name="Rectangle 5">
             <a:extLst>
               <a:ext uri="{FF2B5EF4-FFF2-40B4-BE49-F238E27FC236}">
-                <a16:creationId xmlns:a16="http://schemas.microsoft.com/office/drawing/2014/main" id="{7EAC2BE7-CA47-8988-8C47-373BEA5BBA0B}"/>
+                <a16:creationId xmlns:a16="http://schemas.microsoft.com/office/drawing/2014/main" xmlns="" id="{7EAC2BE7-CA47-8988-8C47-373BEA5BBA0B}"/>
               </a:ext>
             </a:extLst>
           </p:cNvPr>
@@ -18030,7 +18080,7 @@
           <p:cNvPr id="7" name="Rectangle 6">
             <a:extLst>
               <a:ext uri="{FF2B5EF4-FFF2-40B4-BE49-F238E27FC236}">
-                <a16:creationId xmlns:a16="http://schemas.microsoft.com/office/drawing/2014/main" id="{D147CA7A-655F-29BA-EE53-B74FDBB6A300}"/>
+                <a16:creationId xmlns:a16="http://schemas.microsoft.com/office/drawing/2014/main" xmlns="" id="{D147CA7A-655F-29BA-EE53-B74FDBB6A300}"/>
               </a:ext>
             </a:extLst>
           </p:cNvPr>
@@ -18078,7 +18128,7 @@
           <p:cNvPr id="8" name="Rectangle 7">
             <a:extLst>
               <a:ext uri="{FF2B5EF4-FFF2-40B4-BE49-F238E27FC236}">
-                <a16:creationId xmlns:a16="http://schemas.microsoft.com/office/drawing/2014/main" id="{8D74FFC4-AA91-E0BE-B450-9324347D6F7A}"/>
+                <a16:creationId xmlns:a16="http://schemas.microsoft.com/office/drawing/2014/main" xmlns="" id="{8D74FFC4-AA91-E0BE-B450-9324347D6F7A}"/>
               </a:ext>
             </a:extLst>
           </p:cNvPr>
@@ -18126,7 +18176,7 @@
           <p:cNvPr id="10" name="Rectangle 9">
             <a:extLst>
               <a:ext uri="{FF2B5EF4-FFF2-40B4-BE49-F238E27FC236}">
-                <a16:creationId xmlns:a16="http://schemas.microsoft.com/office/drawing/2014/main" id="{2B1351BD-124A-CA4A-83F0-74060AD7136F}"/>
+                <a16:creationId xmlns:a16="http://schemas.microsoft.com/office/drawing/2014/main" xmlns="" id="{2B1351BD-124A-CA4A-83F0-74060AD7136F}"/>
               </a:ext>
             </a:extLst>
           </p:cNvPr>
@@ -18174,7 +18224,7 @@
           <p:cNvPr id="11" name="Rectangle 10">
             <a:extLst>
               <a:ext uri="{FF2B5EF4-FFF2-40B4-BE49-F238E27FC236}">
-                <a16:creationId xmlns:a16="http://schemas.microsoft.com/office/drawing/2014/main" id="{A6EE8508-97B0-32CF-9132-CB8A4154E72D}"/>
+                <a16:creationId xmlns:a16="http://schemas.microsoft.com/office/drawing/2014/main" xmlns="" id="{A6EE8508-97B0-32CF-9132-CB8A4154E72D}"/>
               </a:ext>
             </a:extLst>
           </p:cNvPr>
@@ -18210,7 +18260,7 @@
           <a:p>
             <a:pPr algn="ctr"/>
             <a:r>
-              <a:rPr lang="en-US" sz="1800" kern="1200">
+              <a:rPr lang="en-US" sz="1800" kern="1200" dirty="0">
                 <a:solidFill>
                   <a:srgbClr val="000000"/>
                 </a:solidFill>
@@ -18230,7 +18280,7 @@
           <p:cNvPr id="12" name="Rectangle 11">
             <a:extLst>
               <a:ext uri="{FF2B5EF4-FFF2-40B4-BE49-F238E27FC236}">
-                <a16:creationId xmlns:a16="http://schemas.microsoft.com/office/drawing/2014/main" id="{3D060179-30B6-A48E-55D9-0348EC15546A}"/>
+                <a16:creationId xmlns:a16="http://schemas.microsoft.com/office/drawing/2014/main" xmlns="" id="{3D060179-30B6-A48E-55D9-0348EC15546A}"/>
               </a:ext>
             </a:extLst>
           </p:cNvPr>
@@ -18286,7 +18336,7 @@
           <p:cNvPr id="13" name="Rectangle 12">
             <a:extLst>
               <a:ext uri="{FF2B5EF4-FFF2-40B4-BE49-F238E27FC236}">
-                <a16:creationId xmlns:a16="http://schemas.microsoft.com/office/drawing/2014/main" id="{824E6C0C-D2E6-34E8-B084-656AF58F369A}"/>
+                <a16:creationId xmlns:a16="http://schemas.microsoft.com/office/drawing/2014/main" xmlns="" id="{824E6C0C-D2E6-34E8-B084-656AF58F369A}"/>
               </a:ext>
             </a:extLst>
           </p:cNvPr>
@@ -18334,7 +18384,7 @@
           <p:cNvPr id="14" name="Rectangle 13">
             <a:extLst>
               <a:ext uri="{FF2B5EF4-FFF2-40B4-BE49-F238E27FC236}">
-                <a16:creationId xmlns:a16="http://schemas.microsoft.com/office/drawing/2014/main" id="{E36E4D11-8FD5-CAD9-742F-C5D502255FA7}"/>
+                <a16:creationId xmlns:a16="http://schemas.microsoft.com/office/drawing/2014/main" xmlns="" id="{E36E4D11-8FD5-CAD9-742F-C5D502255FA7}"/>
               </a:ext>
             </a:extLst>
           </p:cNvPr>
@@ -18382,7 +18432,7 @@
           <p:cNvPr id="15" name="Rectangle 14">
             <a:extLst>
               <a:ext uri="{FF2B5EF4-FFF2-40B4-BE49-F238E27FC236}">
-                <a16:creationId xmlns:a16="http://schemas.microsoft.com/office/drawing/2014/main" id="{AC27A778-7664-2D73-8160-0C4CF9E6C80C}"/>
+                <a16:creationId xmlns:a16="http://schemas.microsoft.com/office/drawing/2014/main" xmlns="" id="{AC27A778-7664-2D73-8160-0C4CF9E6C80C}"/>
               </a:ext>
             </a:extLst>
           </p:cNvPr>
@@ -18430,7 +18480,7 @@
           <p:cNvPr id="16" name="Cylinder 15">
             <a:extLst>
               <a:ext uri="{FF2B5EF4-FFF2-40B4-BE49-F238E27FC236}">
-                <a16:creationId xmlns:a16="http://schemas.microsoft.com/office/drawing/2014/main" id="{4314044A-767B-3CD8-296C-3D4BF3ACB7E6}"/>
+                <a16:creationId xmlns:a16="http://schemas.microsoft.com/office/drawing/2014/main" xmlns="" id="{4314044A-767B-3CD8-296C-3D4BF3ACB7E6}"/>
               </a:ext>
             </a:extLst>
           </p:cNvPr>
@@ -18494,7 +18544,7 @@
           <p:cNvPr id="21" name="Arrow: Up-Down 20">
             <a:extLst>
               <a:ext uri="{FF2B5EF4-FFF2-40B4-BE49-F238E27FC236}">
-                <a16:creationId xmlns:a16="http://schemas.microsoft.com/office/drawing/2014/main" id="{08440AA5-1ADF-5E15-15EE-A7B725F3BE2B}"/>
+                <a16:creationId xmlns:a16="http://schemas.microsoft.com/office/drawing/2014/main" xmlns="" id="{08440AA5-1ADF-5E15-15EE-A7B725F3BE2B}"/>
               </a:ext>
             </a:extLst>
           </p:cNvPr>
@@ -18531,7 +18581,7 @@
           <a:lstStyle/>
           <a:p>
             <a:pPr algn="ctr"/>
-            <a:endParaRPr lang="en-IN"/>
+            <a:endParaRPr lang="en-IN" dirty="0"/>
           </a:p>
         </p:txBody>
       </p:sp>
@@ -18540,7 +18590,7 @@
           <p:cNvPr id="22" name="Arrow: Up-Down 21">
             <a:extLst>
               <a:ext uri="{FF2B5EF4-FFF2-40B4-BE49-F238E27FC236}">
-                <a16:creationId xmlns:a16="http://schemas.microsoft.com/office/drawing/2014/main" id="{C3937255-EB8E-3B0C-089C-3320EB53C986}"/>
+                <a16:creationId xmlns:a16="http://schemas.microsoft.com/office/drawing/2014/main" xmlns="" id="{C3937255-EB8E-3B0C-089C-3320EB53C986}"/>
               </a:ext>
             </a:extLst>
           </p:cNvPr>
@@ -18577,7 +18627,7 @@
           <a:lstStyle/>
           <a:p>
             <a:pPr algn="ctr"/>
-            <a:endParaRPr lang="en-IN"/>
+            <a:endParaRPr lang="en-IN" dirty="0"/>
           </a:p>
         </p:txBody>
       </p:sp>
@@ -18586,7 +18636,7 @@
           <p:cNvPr id="23" name="Arrow: Up-Down 22">
             <a:extLst>
               <a:ext uri="{FF2B5EF4-FFF2-40B4-BE49-F238E27FC236}">
-                <a16:creationId xmlns:a16="http://schemas.microsoft.com/office/drawing/2014/main" id="{E2CFAAF3-18B6-E306-2949-D69D53CE4D9F}"/>
+                <a16:creationId xmlns:a16="http://schemas.microsoft.com/office/drawing/2014/main" xmlns="" id="{E2CFAAF3-18B6-E306-2949-D69D53CE4D9F}"/>
               </a:ext>
             </a:extLst>
           </p:cNvPr>
@@ -18623,7 +18673,7 @@
           <a:lstStyle/>
           <a:p>
             <a:pPr algn="ctr"/>
-            <a:endParaRPr lang="en-IN"/>
+            <a:endParaRPr lang="en-IN" dirty="0"/>
           </a:p>
         </p:txBody>
       </p:sp>
@@ -18632,7 +18682,7 @@
           <p:cNvPr id="24" name="Arrow: Up-Down 23">
             <a:extLst>
               <a:ext uri="{FF2B5EF4-FFF2-40B4-BE49-F238E27FC236}">
-                <a16:creationId xmlns:a16="http://schemas.microsoft.com/office/drawing/2014/main" id="{2704E36A-5614-1F99-ECED-A81000E96C0C}"/>
+                <a16:creationId xmlns:a16="http://schemas.microsoft.com/office/drawing/2014/main" xmlns="" id="{2704E36A-5614-1F99-ECED-A81000E96C0C}"/>
               </a:ext>
             </a:extLst>
           </p:cNvPr>
@@ -18669,7 +18719,7 @@
           <a:lstStyle/>
           <a:p>
             <a:pPr algn="ctr"/>
-            <a:endParaRPr lang="en-IN"/>
+            <a:endParaRPr lang="en-IN" dirty="0"/>
           </a:p>
         </p:txBody>
       </p:sp>
@@ -18678,13 +18728,13 @@
   <p:clrMapOvr>
     <a:masterClrMapping/>
   </p:clrMapOvr>
-  <mc:AlternateContent xmlns:mc="http://schemas.openxmlformats.org/markup-compatibility/2006" xmlns:p14="http://schemas.microsoft.com/office/powerpoint/2010/main">
-    <mc:Choice Requires="p14">
+  <mc:AlternateContent xmlns:mc="http://schemas.openxmlformats.org/markup-compatibility/2006">
+    <mc:Choice xmlns:p14="http://schemas.microsoft.com/office/powerpoint/2010/main" xmlns="" Requires="p14">
       <p:transition spd="med" p14:dur="700">
         <p:fade/>
       </p:transition>
     </mc:Choice>
-    <mc:Fallback xmlns="">
+    <mc:Fallback>
       <p:transition spd="med">
         <p:fade/>
       </p:transition>
@@ -18757,7 +18807,7 @@
           <p:cNvPr id="5" name="Picture 4">
             <a:extLst>
               <a:ext uri="{FF2B5EF4-FFF2-40B4-BE49-F238E27FC236}">
-                <a16:creationId xmlns:a16="http://schemas.microsoft.com/office/drawing/2014/main" id="{D0D90956-9041-A34E-C1AE-4A9D5AE21F8B}"/>
+                <a16:creationId xmlns:a16="http://schemas.microsoft.com/office/drawing/2014/main" xmlns="" id="{D0D90956-9041-A34E-C1AE-4A9D5AE21F8B}"/>
               </a:ext>
             </a:extLst>
           </p:cNvPr>
@@ -18770,7 +18820,7 @@
           <a:blip r:embed="rId2" cstate="print">
             <a:extLst>
               <a:ext uri="{28A0092B-C50C-407E-A947-70E740481C1C}">
-                <a14:useLocalDpi xmlns:a14="http://schemas.microsoft.com/office/drawing/2010/main" val="0"/>
+                <a14:useLocalDpi xmlns:a14="http://schemas.microsoft.com/office/drawing/2010/main" xmlns="" val="0"/>
               </a:ext>
             </a:extLst>
           </a:blip>
@@ -18793,7 +18843,7 @@
           <p:cNvPr id="11" name="Rectangle: Rounded Corners 10">
             <a:extLst>
               <a:ext uri="{FF2B5EF4-FFF2-40B4-BE49-F238E27FC236}">
-                <a16:creationId xmlns:a16="http://schemas.microsoft.com/office/drawing/2014/main" id="{8E225AF6-031B-381E-BC9F-5CBA5886DDE7}"/>
+                <a16:creationId xmlns:a16="http://schemas.microsoft.com/office/drawing/2014/main" xmlns="" id="{8E225AF6-031B-381E-BC9F-5CBA5886DDE7}"/>
               </a:ext>
             </a:extLst>
           </p:cNvPr>
@@ -18856,13 +18906,13 @@
   <p:clrMapOvr>
     <a:masterClrMapping/>
   </p:clrMapOvr>
-  <mc:AlternateContent xmlns:mc="http://schemas.openxmlformats.org/markup-compatibility/2006" xmlns:p14="http://schemas.microsoft.com/office/powerpoint/2010/main">
-    <mc:Choice Requires="p14">
+  <mc:AlternateContent xmlns:mc="http://schemas.openxmlformats.org/markup-compatibility/2006">
+    <mc:Choice xmlns:p14="http://schemas.microsoft.com/office/powerpoint/2010/main" xmlns="" Requires="p14">
       <p:transition spd="med" p14:dur="700">
         <p:fade/>
       </p:transition>
     </mc:Choice>
-    <mc:Fallback xmlns="">
+    <mc:Fallback>
       <p:transition spd="med">
         <p:fade/>
       </p:transition>
@@ -18893,7 +18943,7 @@
           <p:cNvPr id="5" name="Title 1">
             <a:extLst>
               <a:ext uri="{FF2B5EF4-FFF2-40B4-BE49-F238E27FC236}">
-                <a16:creationId xmlns:a16="http://schemas.microsoft.com/office/drawing/2014/main" id="{C1F1E5F5-3981-AD20-E1A4-8ED712EFB78A}"/>
+                <a16:creationId xmlns:a16="http://schemas.microsoft.com/office/drawing/2014/main" xmlns="" id="{C1F1E5F5-3981-AD20-E1A4-8ED712EFB78A}"/>
               </a:ext>
             </a:extLst>
           </p:cNvPr>
@@ -18953,7 +19003,7 @@
           <p:cNvPr id="4" name="Content Placeholder 5">
             <a:extLst>
               <a:ext uri="{FF2B5EF4-FFF2-40B4-BE49-F238E27FC236}">
-                <a16:creationId xmlns:a16="http://schemas.microsoft.com/office/drawing/2014/main" id="{604C2E7F-52E3-7E02-49E2-49D40680CA65}"/>
+                <a16:creationId xmlns:a16="http://schemas.microsoft.com/office/drawing/2014/main" xmlns="" id="{604C2E7F-52E3-7E02-49E2-49D40680CA65}"/>
               </a:ext>
             </a:extLst>
           </p:cNvPr>
@@ -19393,7 +19443,7 @@
           <p:cNvPr id="6" name="Content Placeholder 5">
             <a:extLst>
               <a:ext uri="{FF2B5EF4-FFF2-40B4-BE49-F238E27FC236}">
-                <a16:creationId xmlns:a16="http://schemas.microsoft.com/office/drawing/2014/main" id="{4DB5C011-B15D-6611-BF1C-B11C4DF80D05}"/>
+                <a16:creationId xmlns:a16="http://schemas.microsoft.com/office/drawing/2014/main" xmlns="" id="{4DB5C011-B15D-6611-BF1C-B11C4DF80D05}"/>
               </a:ext>
             </a:extLst>
           </p:cNvPr>
@@ -19638,20 +19688,20 @@
     </p:spTree>
     <p:extLst>
       <p:ext uri="{BB962C8B-B14F-4D97-AF65-F5344CB8AC3E}">
-        <p14:creationId xmlns:p14="http://schemas.microsoft.com/office/powerpoint/2010/main" val="3009218288"/>
+        <p14:creationId xmlns:p14="http://schemas.microsoft.com/office/powerpoint/2010/main" xmlns="" val="3009218288"/>
       </p:ext>
     </p:extLst>
   </p:cSld>
   <p:clrMapOvr>
     <a:masterClrMapping/>
   </p:clrMapOvr>
-  <mc:AlternateContent xmlns:mc="http://schemas.openxmlformats.org/markup-compatibility/2006" xmlns:p14="http://schemas.microsoft.com/office/powerpoint/2010/main">
-    <mc:Choice Requires="p14">
+  <mc:AlternateContent xmlns:mc="http://schemas.openxmlformats.org/markup-compatibility/2006">
+    <mc:Choice xmlns:p14="http://schemas.microsoft.com/office/powerpoint/2010/main" xmlns="" Requires="p14">
       <p:transition spd="med" p14:dur="700">
         <p:fade/>
       </p:transition>
     </mc:Choice>
-    <mc:Fallback xmlns="">
+    <mc:Fallback>
       <p:transition spd="med">
         <p:fade/>
       </p:transition>
@@ -19682,7 +19732,7 @@
           <p:cNvPr id="5" name="Title 1">
             <a:extLst>
               <a:ext uri="{FF2B5EF4-FFF2-40B4-BE49-F238E27FC236}">
-                <a16:creationId xmlns:a16="http://schemas.microsoft.com/office/drawing/2014/main" id="{C1F1E5F5-3981-AD20-E1A4-8ED712EFB78A}"/>
+                <a16:creationId xmlns:a16="http://schemas.microsoft.com/office/drawing/2014/main" xmlns="" id="{C1F1E5F5-3981-AD20-E1A4-8ED712EFB78A}"/>
               </a:ext>
             </a:extLst>
           </p:cNvPr>
@@ -19742,7 +19792,7 @@
           <p:cNvPr id="4" name="Content Placeholder 5">
             <a:extLst>
               <a:ext uri="{FF2B5EF4-FFF2-40B4-BE49-F238E27FC236}">
-                <a16:creationId xmlns:a16="http://schemas.microsoft.com/office/drawing/2014/main" id="{604C2E7F-52E3-7E02-49E2-49D40680CA65}"/>
+                <a16:creationId xmlns:a16="http://schemas.microsoft.com/office/drawing/2014/main" xmlns="" id="{604C2E7F-52E3-7E02-49E2-49D40680CA65}"/>
               </a:ext>
             </a:extLst>
           </p:cNvPr>
@@ -20234,7 +20284,7 @@
           <p:cNvPr id="6" name="Content Placeholder 5">
             <a:extLst>
               <a:ext uri="{FF2B5EF4-FFF2-40B4-BE49-F238E27FC236}">
-                <a16:creationId xmlns:a16="http://schemas.microsoft.com/office/drawing/2014/main" id="{4DB5C011-B15D-6611-BF1C-B11C4DF80D05}"/>
+                <a16:creationId xmlns:a16="http://schemas.microsoft.com/office/drawing/2014/main" xmlns="" id="{4DB5C011-B15D-6611-BF1C-B11C4DF80D05}"/>
               </a:ext>
             </a:extLst>
           </p:cNvPr>
@@ -20479,20 +20529,20 @@
     </p:spTree>
     <p:extLst>
       <p:ext uri="{BB962C8B-B14F-4D97-AF65-F5344CB8AC3E}">
-        <p14:creationId xmlns:p14="http://schemas.microsoft.com/office/powerpoint/2010/main" val="2270689471"/>
+        <p14:creationId xmlns:p14="http://schemas.microsoft.com/office/powerpoint/2010/main" xmlns="" val="2270689471"/>
       </p:ext>
     </p:extLst>
   </p:cSld>
   <p:clrMapOvr>
     <a:masterClrMapping/>
   </p:clrMapOvr>
-  <mc:AlternateContent xmlns:mc="http://schemas.openxmlformats.org/markup-compatibility/2006" xmlns:p14="http://schemas.microsoft.com/office/powerpoint/2010/main">
-    <mc:Choice Requires="p14">
+  <mc:AlternateContent xmlns:mc="http://schemas.openxmlformats.org/markup-compatibility/2006">
+    <mc:Choice xmlns:p14="http://schemas.microsoft.com/office/powerpoint/2010/main" xmlns="" Requires="p14">
       <p:transition spd="med" p14:dur="700">
         <p:fade/>
       </p:transition>
     </mc:Choice>
-    <mc:Fallback xmlns="">
+    <mc:Fallback>
       <p:transition spd="med">
         <p:fade/>
       </p:transition>
@@ -20523,7 +20573,7 @@
           <p:cNvPr id="5" name="Title 1">
             <a:extLst>
               <a:ext uri="{FF2B5EF4-FFF2-40B4-BE49-F238E27FC236}">
-                <a16:creationId xmlns:a16="http://schemas.microsoft.com/office/drawing/2014/main" id="{C1F1E5F5-3981-AD20-E1A4-8ED712EFB78A}"/>
+                <a16:creationId xmlns:a16="http://schemas.microsoft.com/office/drawing/2014/main" xmlns="" id="{C1F1E5F5-3981-AD20-E1A4-8ED712EFB78A}"/>
               </a:ext>
             </a:extLst>
           </p:cNvPr>
@@ -20586,20 +20636,20 @@
     </p:spTree>
     <p:extLst>
       <p:ext uri="{BB962C8B-B14F-4D97-AF65-F5344CB8AC3E}">
-        <p14:creationId xmlns:p14="http://schemas.microsoft.com/office/powerpoint/2010/main" val="1174778929"/>
+        <p14:creationId xmlns:p14="http://schemas.microsoft.com/office/powerpoint/2010/main" xmlns="" val="1174778929"/>
       </p:ext>
     </p:extLst>
   </p:cSld>
   <p:clrMapOvr>
     <a:masterClrMapping/>
   </p:clrMapOvr>
-  <mc:AlternateContent xmlns:mc="http://schemas.openxmlformats.org/markup-compatibility/2006" xmlns:p14="http://schemas.microsoft.com/office/powerpoint/2010/main">
-    <mc:Choice Requires="p14">
+  <mc:AlternateContent xmlns:mc="http://schemas.openxmlformats.org/markup-compatibility/2006">
+    <mc:Choice xmlns:p14="http://schemas.microsoft.com/office/powerpoint/2010/main" xmlns="" Requires="p14">
       <p:transition spd="med" p14:dur="700">
         <p:fade/>
       </p:transition>
     </mc:Choice>
-    <mc:Fallback xmlns="">
+    <mc:Fallback>
       <p:transition spd="med">
         <p:fade/>
       </p:transition>
@@ -20651,7 +20701,7 @@
     </a:clrScheme>
     <a:fontScheme name="Circuit">
       <a:majorFont>
-        <a:latin typeface="Tw Cen MT" panose="020B0602020104020603"/>
+        <a:latin typeface="Tw Cen MT"/>
         <a:ea typeface=""/>
         <a:cs typeface=""/>
         <a:font script="Jpan" typeface="ＭＳ Ｐゴシック"/>
@@ -20686,7 +20736,7 @@
         <a:font script="Geor" typeface="Sylfaen"/>
       </a:majorFont>
       <a:minorFont>
-        <a:latin typeface="Tw Cen MT" panose="020B0602020104020603"/>
+        <a:latin typeface="Tw Cen MT"/>
         <a:ea typeface=""/>
         <a:cs typeface=""/>
         <a:font script="Jpan" typeface="ＭＳ Ｐゴシック"/>
@@ -20853,7 +20903,7 @@
   <a:extraClrSchemeLst/>
   <a:extLst>
     <a:ext uri="{05A4C25C-085E-4340-85A3-A5531E510DB2}">
-      <thm15:themeFamily xmlns:thm15="http://schemas.microsoft.com/office/thememl/2012/main" name="Circuit" id="{0AC2F7E7-15F5-431C-B2A2-456FE929F56C}" vid="{0911B802-464C-4241-8DD9-B60FF88E379F}"/>
+      <thm15:themeFamily xmlns:thm15="http://schemas.microsoft.com/office/thememl/2012/main" xmlns="" name="Circuit" id="{0AC2F7E7-15F5-431C-B2A2-456FE929F56C}" vid="{0911B802-464C-4241-8DD9-B60FF88E379F}"/>
     </a:ext>
   </a:extLst>
 </a:theme>
@@ -21077,7 +21127,7 @@
   <a:extraClrSchemeLst/>
   <a:extLst>
     <a:ext uri="{05A4C25C-085E-4340-85A3-A5531E510DB2}">
-      <thm15:themeFamily xmlns:thm15="http://schemas.microsoft.com/office/thememl/2012/main" name="Office Theme" id="{62F939B6-93AF-4DB8-9C6B-D6C7DFDC589F}" vid="{4A3C46E8-61CC-4603-A589-7422A47A8E4A}"/>
+      <thm15:themeFamily xmlns:thm15="http://schemas.microsoft.com/office/thememl/2012/main" xmlns="" name="Office Theme" id="{62F939B6-93AF-4DB8-9C6B-D6C7DFDC589F}" vid="{4A3C46E8-61CC-4603-A589-7422A47A8E4A}"/>
     </a:ext>
   </a:extLst>
 </a:theme>
@@ -21301,7 +21351,7 @@
   <a:extraClrSchemeLst/>
   <a:extLst>
     <a:ext uri="{05A4C25C-085E-4340-85A3-A5531E510DB2}">
-      <thm15:themeFamily xmlns:thm15="http://schemas.microsoft.com/office/thememl/2012/main" name="Office Theme" id="{62F939B6-93AF-4DB8-9C6B-D6C7DFDC589F}" vid="{4A3C46E8-61CC-4603-A589-7422A47A8E4A}"/>
+      <thm15:themeFamily xmlns:thm15="http://schemas.microsoft.com/office/thememl/2012/main" xmlns="" name="Office Theme" id="{62F939B6-93AF-4DB8-9C6B-D6C7DFDC589F}" vid="{4A3C46E8-61CC-4603-A589-7422A47A8E4A}"/>
     </a:ext>
   </a:extLst>
 </a:theme>
